--- a/bioinf_project/static/images/pics.pptx
+++ b/bioinf_project/static/images/pics.pptx
@@ -9,6 +9,8 @@
     <p:sldId id="258" r:id="rId3"/>
     <p:sldId id="259" r:id="rId4"/>
     <p:sldId id="260" r:id="rId5"/>
+    <p:sldId id="261" r:id="rId6"/>
+    <p:sldId id="262" r:id="rId7"/>
   </p:sldIdLst>
   <p:sldSz cx="9144000" cy="6858000" type="screen4x3"/>
   <p:notesSz cx="6858000" cy="9144000"/>
@@ -292,7 +294,7 @@
             <a:fld id="{530820CF-B880-4189-942D-D702A7CBA730}" type="datetimeFigureOut">
               <a:rPr lang="zh-CN" altLang="en-US" smtClean="0"/>
               <a:pPr/>
-              <a:t>2014/11/18</a:t>
+              <a:t>2014/12/6</a:t>
             </a:fld>
             <a:endParaRPr lang="zh-CN" altLang="en-US"/>
           </a:p>
@@ -459,7 +461,7 @@
             <a:fld id="{530820CF-B880-4189-942D-D702A7CBA730}" type="datetimeFigureOut">
               <a:rPr lang="zh-CN" altLang="en-US" smtClean="0"/>
               <a:pPr/>
-              <a:t>2014/11/18</a:t>
+              <a:t>2014/12/6</a:t>
             </a:fld>
             <a:endParaRPr lang="zh-CN" altLang="en-US"/>
           </a:p>
@@ -636,7 +638,7 @@
             <a:fld id="{530820CF-B880-4189-942D-D702A7CBA730}" type="datetimeFigureOut">
               <a:rPr lang="zh-CN" altLang="en-US" smtClean="0"/>
               <a:pPr/>
-              <a:t>2014/11/18</a:t>
+              <a:t>2014/12/6</a:t>
             </a:fld>
             <a:endParaRPr lang="zh-CN" altLang="en-US"/>
           </a:p>
@@ -803,7 +805,7 @@
             <a:fld id="{530820CF-B880-4189-942D-D702A7CBA730}" type="datetimeFigureOut">
               <a:rPr lang="zh-CN" altLang="en-US" smtClean="0"/>
               <a:pPr/>
-              <a:t>2014/11/18</a:t>
+              <a:t>2014/12/6</a:t>
             </a:fld>
             <a:endParaRPr lang="zh-CN" altLang="en-US"/>
           </a:p>
@@ -1046,7 +1048,7 @@
             <a:fld id="{530820CF-B880-4189-942D-D702A7CBA730}" type="datetimeFigureOut">
               <a:rPr lang="zh-CN" altLang="en-US" smtClean="0"/>
               <a:pPr/>
-              <a:t>2014/11/18</a:t>
+              <a:t>2014/12/6</a:t>
             </a:fld>
             <a:endParaRPr lang="zh-CN" altLang="en-US"/>
           </a:p>
@@ -1331,7 +1333,7 @@
             <a:fld id="{530820CF-B880-4189-942D-D702A7CBA730}" type="datetimeFigureOut">
               <a:rPr lang="zh-CN" altLang="en-US" smtClean="0"/>
               <a:pPr/>
-              <a:t>2014/11/18</a:t>
+              <a:t>2014/12/6</a:t>
             </a:fld>
             <a:endParaRPr lang="zh-CN" altLang="en-US"/>
           </a:p>
@@ -1750,7 +1752,7 @@
             <a:fld id="{530820CF-B880-4189-942D-D702A7CBA730}" type="datetimeFigureOut">
               <a:rPr lang="zh-CN" altLang="en-US" smtClean="0"/>
               <a:pPr/>
-              <a:t>2014/11/18</a:t>
+              <a:t>2014/12/6</a:t>
             </a:fld>
             <a:endParaRPr lang="zh-CN" altLang="en-US"/>
           </a:p>
@@ -1865,7 +1867,7 @@
             <a:fld id="{530820CF-B880-4189-942D-D702A7CBA730}" type="datetimeFigureOut">
               <a:rPr lang="zh-CN" altLang="en-US" smtClean="0"/>
               <a:pPr/>
-              <a:t>2014/11/18</a:t>
+              <a:t>2014/12/6</a:t>
             </a:fld>
             <a:endParaRPr lang="zh-CN" altLang="en-US"/>
           </a:p>
@@ -1957,7 +1959,7 @@
             <a:fld id="{530820CF-B880-4189-942D-D702A7CBA730}" type="datetimeFigureOut">
               <a:rPr lang="zh-CN" altLang="en-US" smtClean="0"/>
               <a:pPr/>
-              <a:t>2014/11/18</a:t>
+              <a:t>2014/12/6</a:t>
             </a:fld>
             <a:endParaRPr lang="zh-CN" altLang="en-US"/>
           </a:p>
@@ -2231,7 +2233,7 @@
             <a:fld id="{530820CF-B880-4189-942D-D702A7CBA730}" type="datetimeFigureOut">
               <a:rPr lang="zh-CN" altLang="en-US" smtClean="0"/>
               <a:pPr/>
-              <a:t>2014/11/18</a:t>
+              <a:t>2014/12/6</a:t>
             </a:fld>
             <a:endParaRPr lang="zh-CN" altLang="en-US"/>
           </a:p>
@@ -2481,7 +2483,7 @@
             <a:fld id="{530820CF-B880-4189-942D-D702A7CBA730}" type="datetimeFigureOut">
               <a:rPr lang="zh-CN" altLang="en-US" smtClean="0"/>
               <a:pPr/>
-              <a:t>2014/11/18</a:t>
+              <a:t>2014/12/6</a:t>
             </a:fld>
             <a:endParaRPr lang="zh-CN" altLang="en-US"/>
           </a:p>
@@ -2691,7 +2693,7 @@
             <a:fld id="{530820CF-B880-4189-942D-D702A7CBA730}" type="datetimeFigureOut">
               <a:rPr lang="zh-CN" altLang="en-US" smtClean="0"/>
               <a:pPr/>
-              <a:t>2014/11/18</a:t>
+              <a:t>2014/12/6</a:t>
             </a:fld>
             <a:endParaRPr lang="zh-CN" altLang="en-US"/>
           </a:p>
@@ -4087,6 +4089,284 @@
 </p:sld>
 </file>
 
+<file path=ppt/slides/slide5.xml><?xml version="1.0" encoding="utf-8"?>
+<p:sld xmlns:a="http://schemas.openxmlformats.org/drawingml/2006/main" xmlns:r="http://schemas.openxmlformats.org/officeDocument/2006/relationships" xmlns:p="http://schemas.openxmlformats.org/presentationml/2006/main">
+  <p:cSld>
+    <p:spTree>
+      <p:nvGrpSpPr>
+        <p:cNvPr id="1" name=""/>
+        <p:cNvGrpSpPr/>
+        <p:nvPr/>
+      </p:nvGrpSpPr>
+      <p:grpSpPr>
+        <a:xfrm>
+          <a:off x="0" y="0"/>
+          <a:ext cx="0" cy="0"/>
+          <a:chOff x="0" y="0"/>
+          <a:chExt cx="0" cy="0"/>
+        </a:xfrm>
+      </p:grpSpPr>
+      <p:sp>
+        <p:nvSpPr>
+          <p:cNvPr id="2" name="Title 1"/>
+          <p:cNvSpPr>
+            <a:spLocks noGrp="1"/>
+          </p:cNvSpPr>
+          <p:nvPr>
+            <p:ph type="title"/>
+          </p:nvPr>
+        </p:nvSpPr>
+        <p:spPr/>
+        <p:txBody>
+          <a:bodyPr/>
+          <a:lstStyle/>
+          <a:p>
+            <a:r>
+              <a:rPr lang="en-US" dirty="0" smtClean="0"/>
+              <a:t>star</a:t>
+            </a:r>
+            <a:endParaRPr lang="en-US" dirty="0"/>
+          </a:p>
+        </p:txBody>
+      </p:sp>
+      <p:sp>
+        <p:nvSpPr>
+          <p:cNvPr id="4" name="5-Point Star 3"/>
+          <p:cNvSpPr/>
+          <p:nvPr/>
+        </p:nvSpPr>
+        <p:spPr>
+          <a:xfrm rot="21273318">
+            <a:off x="3753459" y="2612638"/>
+            <a:ext cx="1008112" cy="1008112"/>
+          </a:xfrm>
+          <a:prstGeom prst="star5">
+            <a:avLst>
+              <a:gd name="adj" fmla="val 25217"/>
+              <a:gd name="hf" fmla="val 105146"/>
+              <a:gd name="vf" fmla="val 110557"/>
+            </a:avLst>
+          </a:prstGeom>
+          <a:solidFill>
+            <a:srgbClr val="FFFF00"/>
+          </a:solidFill>
+          <a:ln>
+            <a:solidFill>
+              <a:srgbClr val="FFC000"/>
+            </a:solidFill>
+          </a:ln>
+        </p:spPr>
+        <p:style>
+          <a:lnRef idx="3">
+            <a:schemeClr val="lt1"/>
+          </a:lnRef>
+          <a:fillRef idx="1">
+            <a:schemeClr val="accent6"/>
+          </a:fillRef>
+          <a:effectRef idx="1">
+            <a:schemeClr val="accent6"/>
+          </a:effectRef>
+          <a:fontRef idx="minor">
+            <a:schemeClr val="lt1"/>
+          </a:fontRef>
+        </p:style>
+        <p:txBody>
+          <a:bodyPr rtlCol="0" anchor="ctr"/>
+          <a:lstStyle/>
+          <a:p>
+            <a:pPr algn="ctr"/>
+            <a:endParaRPr lang="en-US"/>
+          </a:p>
+        </p:txBody>
+      </p:sp>
+    </p:spTree>
+    <p:extLst>
+      <p:ext uri="{BB962C8B-B14F-4D97-AF65-F5344CB8AC3E}">
+        <p14:creationId xmlns:p14="http://schemas.microsoft.com/office/powerpoint/2010/main" val="1740311854"/>
+      </p:ext>
+    </p:extLst>
+  </p:cSld>
+  <p:clrMapOvr>
+    <a:masterClrMapping/>
+  </p:clrMapOvr>
+</p:sld>
+</file>
+
+<file path=ppt/slides/slide6.xml><?xml version="1.0" encoding="utf-8"?>
+<p:sld xmlns:a="http://schemas.openxmlformats.org/drawingml/2006/main" xmlns:r="http://schemas.openxmlformats.org/officeDocument/2006/relationships" xmlns:p="http://schemas.openxmlformats.org/presentationml/2006/main">
+  <p:cSld>
+    <p:spTree>
+      <p:nvGrpSpPr>
+        <p:cNvPr id="1" name=""/>
+        <p:cNvGrpSpPr/>
+        <p:nvPr/>
+      </p:nvGrpSpPr>
+      <p:grpSpPr>
+        <a:xfrm>
+          <a:off x="0" y="0"/>
+          <a:ext cx="0" cy="0"/>
+          <a:chOff x="0" y="0"/>
+          <a:chExt cx="0" cy="0"/>
+        </a:xfrm>
+      </p:grpSpPr>
+      <p:sp>
+        <p:nvSpPr>
+          <p:cNvPr id="2" name="Title 1"/>
+          <p:cNvSpPr>
+            <a:spLocks noGrp="1"/>
+          </p:cNvSpPr>
+          <p:nvPr>
+            <p:ph type="title"/>
+          </p:nvPr>
+        </p:nvSpPr>
+        <p:spPr/>
+        <p:txBody>
+          <a:bodyPr/>
+          <a:lstStyle/>
+          <a:p>
+            <a:r>
+              <a:rPr lang="en-US" dirty="0" smtClean="0"/>
+              <a:t>Exclamation point</a:t>
+            </a:r>
+            <a:endParaRPr lang="en-US" dirty="0"/>
+          </a:p>
+        </p:txBody>
+      </p:sp>
+      <p:grpSp>
+        <p:nvGrpSpPr>
+          <p:cNvPr id="6" name="Group 5"/>
+          <p:cNvGrpSpPr/>
+          <p:nvPr/>
+        </p:nvGrpSpPr>
+        <p:grpSpPr>
+          <a:xfrm>
+            <a:off x="2843808" y="2486506"/>
+            <a:ext cx="1152128" cy="1446550"/>
+            <a:chOff x="2843808" y="2486506"/>
+            <a:chExt cx="1152128" cy="1446550"/>
+          </a:xfrm>
+        </p:grpSpPr>
+        <p:sp>
+          <p:nvSpPr>
+            <p:cNvPr id="5" name="Flowchart: Sequential Access Storage 4"/>
+            <p:cNvSpPr/>
+            <p:nvPr/>
+          </p:nvSpPr>
+          <p:spPr>
+            <a:xfrm>
+              <a:off x="2843808" y="2636912"/>
+              <a:ext cx="1152128" cy="1152128"/>
+            </a:xfrm>
+            <a:prstGeom prst="flowChartMagneticTape">
+              <a:avLst/>
+            </a:prstGeom>
+          </p:spPr>
+          <p:style>
+            <a:lnRef idx="1">
+              <a:schemeClr val="accent5"/>
+            </a:lnRef>
+            <a:fillRef idx="3">
+              <a:schemeClr val="accent5"/>
+            </a:fillRef>
+            <a:effectRef idx="2">
+              <a:schemeClr val="accent5"/>
+            </a:effectRef>
+            <a:fontRef idx="minor">
+              <a:schemeClr val="lt1"/>
+            </a:fontRef>
+          </p:style>
+          <p:txBody>
+            <a:bodyPr rtlCol="0" anchor="ctr"/>
+            <a:lstStyle/>
+            <a:p>
+              <a:pPr algn="ctr"/>
+              <a:endParaRPr lang="en-US"/>
+            </a:p>
+          </p:txBody>
+        </p:sp>
+        <p:sp>
+          <p:nvSpPr>
+            <p:cNvPr id="4" name="Rectangle 3"/>
+            <p:cNvSpPr/>
+            <p:nvPr/>
+          </p:nvSpPr>
+          <p:spPr>
+            <a:xfrm>
+              <a:off x="3059832" y="2486506"/>
+              <a:ext cx="698721" cy="1446550"/>
+            </a:xfrm>
+            <a:prstGeom prst="rect">
+              <a:avLst/>
+            </a:prstGeom>
+            <a:noFill/>
+          </p:spPr>
+          <p:txBody>
+            <a:bodyPr wrap="square" lIns="91440" tIns="45720" rIns="91440" bIns="45720">
+              <a:spAutoFit/>
+            </a:bodyPr>
+            <a:lstStyle/>
+            <a:p>
+              <a:pPr algn="ctr"/>
+              <a:r>
+                <a:rPr lang="en-US" sz="8800" b="1" dirty="0" smtClean="0">
+                  <a:ln w="12700">
+                    <a:solidFill>
+                      <a:schemeClr val="tx2">
+                        <a:satMod val="155000"/>
+                      </a:schemeClr>
+                    </a:solidFill>
+                    <a:prstDash val="solid"/>
+                  </a:ln>
+                  <a:solidFill>
+                    <a:srgbClr val="FFC000"/>
+                  </a:solidFill>
+                  <a:effectLst>
+                    <a:outerShdw blurRad="41275" dist="20320" dir="1800000" algn="tl" rotWithShape="0">
+                      <a:srgbClr val="000000">
+                        <a:alpha val="40000"/>
+                      </a:srgbClr>
+                    </a:outerShdw>
+                  </a:effectLst>
+                </a:rPr>
+                <a:t>!</a:t>
+              </a:r>
+              <a:endParaRPr lang="en-US" sz="8800" b="1" dirty="0">
+                <a:ln w="12700">
+                  <a:solidFill>
+                    <a:schemeClr val="tx2">
+                      <a:satMod val="155000"/>
+                    </a:schemeClr>
+                  </a:solidFill>
+                  <a:prstDash val="solid"/>
+                </a:ln>
+                <a:solidFill>
+                  <a:srgbClr val="FFC000"/>
+                </a:solidFill>
+                <a:effectLst>
+                  <a:outerShdw blurRad="41275" dist="20320" dir="1800000" algn="tl" rotWithShape="0">
+                    <a:srgbClr val="000000">
+                      <a:alpha val="40000"/>
+                    </a:srgbClr>
+                  </a:outerShdw>
+                </a:effectLst>
+              </a:endParaRPr>
+            </a:p>
+          </p:txBody>
+        </p:sp>
+      </p:grpSp>
+    </p:spTree>
+    <p:extLst>
+      <p:ext uri="{BB962C8B-B14F-4D97-AF65-F5344CB8AC3E}">
+        <p14:creationId xmlns:p14="http://schemas.microsoft.com/office/powerpoint/2010/main" val="2153788193"/>
+      </p:ext>
+    </p:extLst>
+  </p:cSld>
+  <p:clrMapOvr>
+    <a:masterClrMapping/>
+  </p:clrMapOvr>
+</p:sld>
+</file>
+
 <file path=ppt/theme/theme1.xml><?xml version="1.0" encoding="utf-8"?>
 <a:theme xmlns:a="http://schemas.openxmlformats.org/drawingml/2006/main" name="Office 主题">
   <a:themeElements>

--- a/bioinf_project/static/images/pics.pptx
+++ b/bioinf_project/static/images/pics.pptx
@@ -11,6 +11,7 @@
     <p:sldId id="260" r:id="rId5"/>
     <p:sldId id="261" r:id="rId6"/>
     <p:sldId id="262" r:id="rId7"/>
+    <p:sldId id="263" r:id="rId8"/>
   </p:sldIdLst>
   <p:sldSz cx="9144000" cy="6858000" type="screen4x3"/>
   <p:notesSz cx="6858000" cy="9144000"/>
@@ -294,7 +295,7 @@
             <a:fld id="{530820CF-B880-4189-942D-D702A7CBA730}" type="datetimeFigureOut">
               <a:rPr lang="zh-CN" altLang="en-US" smtClean="0"/>
               <a:pPr/>
-              <a:t>2014/12/6</a:t>
+              <a:t>2014/12/18</a:t>
             </a:fld>
             <a:endParaRPr lang="zh-CN" altLang="en-US"/>
           </a:p>
@@ -461,7 +462,7 @@
             <a:fld id="{530820CF-B880-4189-942D-D702A7CBA730}" type="datetimeFigureOut">
               <a:rPr lang="zh-CN" altLang="en-US" smtClean="0"/>
               <a:pPr/>
-              <a:t>2014/12/6</a:t>
+              <a:t>2014/12/18</a:t>
             </a:fld>
             <a:endParaRPr lang="zh-CN" altLang="en-US"/>
           </a:p>
@@ -638,7 +639,7 @@
             <a:fld id="{530820CF-B880-4189-942D-D702A7CBA730}" type="datetimeFigureOut">
               <a:rPr lang="zh-CN" altLang="en-US" smtClean="0"/>
               <a:pPr/>
-              <a:t>2014/12/6</a:t>
+              <a:t>2014/12/18</a:t>
             </a:fld>
             <a:endParaRPr lang="zh-CN" altLang="en-US"/>
           </a:p>
@@ -805,7 +806,7 @@
             <a:fld id="{530820CF-B880-4189-942D-D702A7CBA730}" type="datetimeFigureOut">
               <a:rPr lang="zh-CN" altLang="en-US" smtClean="0"/>
               <a:pPr/>
-              <a:t>2014/12/6</a:t>
+              <a:t>2014/12/18</a:t>
             </a:fld>
             <a:endParaRPr lang="zh-CN" altLang="en-US"/>
           </a:p>
@@ -1048,7 +1049,7 @@
             <a:fld id="{530820CF-B880-4189-942D-D702A7CBA730}" type="datetimeFigureOut">
               <a:rPr lang="zh-CN" altLang="en-US" smtClean="0"/>
               <a:pPr/>
-              <a:t>2014/12/6</a:t>
+              <a:t>2014/12/18</a:t>
             </a:fld>
             <a:endParaRPr lang="zh-CN" altLang="en-US"/>
           </a:p>
@@ -1333,7 +1334,7 @@
             <a:fld id="{530820CF-B880-4189-942D-D702A7CBA730}" type="datetimeFigureOut">
               <a:rPr lang="zh-CN" altLang="en-US" smtClean="0"/>
               <a:pPr/>
-              <a:t>2014/12/6</a:t>
+              <a:t>2014/12/18</a:t>
             </a:fld>
             <a:endParaRPr lang="zh-CN" altLang="en-US"/>
           </a:p>
@@ -1752,7 +1753,7 @@
             <a:fld id="{530820CF-B880-4189-942D-D702A7CBA730}" type="datetimeFigureOut">
               <a:rPr lang="zh-CN" altLang="en-US" smtClean="0"/>
               <a:pPr/>
-              <a:t>2014/12/6</a:t>
+              <a:t>2014/12/18</a:t>
             </a:fld>
             <a:endParaRPr lang="zh-CN" altLang="en-US"/>
           </a:p>
@@ -1867,7 +1868,7 @@
             <a:fld id="{530820CF-B880-4189-942D-D702A7CBA730}" type="datetimeFigureOut">
               <a:rPr lang="zh-CN" altLang="en-US" smtClean="0"/>
               <a:pPr/>
-              <a:t>2014/12/6</a:t>
+              <a:t>2014/12/18</a:t>
             </a:fld>
             <a:endParaRPr lang="zh-CN" altLang="en-US"/>
           </a:p>
@@ -1959,7 +1960,7 @@
             <a:fld id="{530820CF-B880-4189-942D-D702A7CBA730}" type="datetimeFigureOut">
               <a:rPr lang="zh-CN" altLang="en-US" smtClean="0"/>
               <a:pPr/>
-              <a:t>2014/12/6</a:t>
+              <a:t>2014/12/18</a:t>
             </a:fld>
             <a:endParaRPr lang="zh-CN" altLang="en-US"/>
           </a:p>
@@ -2233,7 +2234,7 @@
             <a:fld id="{530820CF-B880-4189-942D-D702A7CBA730}" type="datetimeFigureOut">
               <a:rPr lang="zh-CN" altLang="en-US" smtClean="0"/>
               <a:pPr/>
-              <a:t>2014/12/6</a:t>
+              <a:t>2014/12/18</a:t>
             </a:fld>
             <a:endParaRPr lang="zh-CN" altLang="en-US"/>
           </a:p>
@@ -2483,7 +2484,7 @@
             <a:fld id="{530820CF-B880-4189-942D-D702A7CBA730}" type="datetimeFigureOut">
               <a:rPr lang="zh-CN" altLang="en-US" smtClean="0"/>
               <a:pPr/>
-              <a:t>2014/12/6</a:t>
+              <a:t>2014/12/18</a:t>
             </a:fld>
             <a:endParaRPr lang="zh-CN" altLang="en-US"/>
           </a:p>
@@ -2693,7 +2694,7 @@
             <a:fld id="{530820CF-B880-4189-942D-D702A7CBA730}" type="datetimeFigureOut">
               <a:rPr lang="zh-CN" altLang="en-US" smtClean="0"/>
               <a:pPr/>
-              <a:t>2014/12/6</a:t>
+              <a:t>2014/12/18</a:t>
             </a:fld>
             <a:endParaRPr lang="zh-CN" altLang="en-US"/>
           </a:p>
@@ -4367,6 +4368,979 @@
 </p:sld>
 </file>
 
+<file path=ppt/slides/slide7.xml><?xml version="1.0" encoding="utf-8"?>
+<p:sld xmlns:a="http://schemas.openxmlformats.org/drawingml/2006/main" xmlns:r="http://schemas.openxmlformats.org/officeDocument/2006/relationships" xmlns:p="http://schemas.openxmlformats.org/presentationml/2006/main">
+  <p:cSld>
+    <p:spTree>
+      <p:nvGrpSpPr>
+        <p:cNvPr id="1" name=""/>
+        <p:cNvGrpSpPr/>
+        <p:nvPr/>
+      </p:nvGrpSpPr>
+      <p:grpSpPr>
+        <a:xfrm>
+          <a:off x="0" y="0"/>
+          <a:ext cx="0" cy="0"/>
+          <a:chOff x="0" y="0"/>
+          <a:chExt cx="0" cy="0"/>
+        </a:xfrm>
+      </p:grpSpPr>
+      <p:sp>
+        <p:nvSpPr>
+          <p:cNvPr id="2" name="Title 1"/>
+          <p:cNvSpPr>
+            <a:spLocks noGrp="1"/>
+          </p:cNvSpPr>
+          <p:nvPr>
+            <p:ph type="title"/>
+          </p:nvPr>
+        </p:nvSpPr>
+        <p:spPr/>
+        <p:txBody>
+          <a:bodyPr/>
+          <a:lstStyle/>
+          <a:p>
+            <a:endParaRPr lang="en-US"/>
+          </a:p>
+        </p:txBody>
+      </p:sp>
+      <p:sp>
+        <p:nvSpPr>
+          <p:cNvPr id="4" name="Rectangle 3"/>
+          <p:cNvSpPr/>
+          <p:nvPr/>
+        </p:nvSpPr>
+        <p:spPr>
+          <a:xfrm>
+            <a:off x="395536" y="2204864"/>
+            <a:ext cx="2736304" cy="3744416"/>
+          </a:xfrm>
+          <a:prstGeom prst="rect">
+            <a:avLst/>
+          </a:prstGeom>
+        </p:spPr>
+        <p:style>
+          <a:lnRef idx="1">
+            <a:schemeClr val="accent3"/>
+          </a:lnRef>
+          <a:fillRef idx="2">
+            <a:schemeClr val="accent3"/>
+          </a:fillRef>
+          <a:effectRef idx="1">
+            <a:schemeClr val="accent3"/>
+          </a:effectRef>
+          <a:fontRef idx="minor">
+            <a:schemeClr val="dk1"/>
+          </a:fontRef>
+        </p:style>
+        <p:txBody>
+          <a:bodyPr rtlCol="0" anchor="ctr"/>
+          <a:lstStyle/>
+          <a:p>
+            <a:pPr algn="ctr"/>
+            <a:endParaRPr lang="en-US" dirty="0"/>
+          </a:p>
+        </p:txBody>
+      </p:sp>
+      <p:sp>
+        <p:nvSpPr>
+          <p:cNvPr id="5" name="Rectangle 4"/>
+          <p:cNvSpPr/>
+          <p:nvPr/>
+        </p:nvSpPr>
+        <p:spPr>
+          <a:xfrm>
+            <a:off x="647564" y="2348880"/>
+            <a:ext cx="2232248" cy="576064"/>
+          </a:xfrm>
+          <a:prstGeom prst="rect">
+            <a:avLst/>
+          </a:prstGeom>
+        </p:spPr>
+        <p:style>
+          <a:lnRef idx="1">
+            <a:schemeClr val="accent1"/>
+          </a:lnRef>
+          <a:fillRef idx="3">
+            <a:schemeClr val="accent1"/>
+          </a:fillRef>
+          <a:effectRef idx="2">
+            <a:schemeClr val="accent1"/>
+          </a:effectRef>
+          <a:fontRef idx="minor">
+            <a:schemeClr val="lt1"/>
+          </a:fontRef>
+        </p:style>
+        <p:txBody>
+          <a:bodyPr rtlCol="0" anchor="ctr"/>
+          <a:lstStyle/>
+          <a:p>
+            <a:pPr algn="ctr"/>
+            <a:r>
+              <a:rPr lang="en-US" sz="2800" dirty="0" smtClean="0"/>
+              <a:t>Question</a:t>
+            </a:r>
+            <a:endParaRPr lang="en-US" sz="2800" dirty="0"/>
+          </a:p>
+        </p:txBody>
+      </p:sp>
+      <p:sp>
+        <p:nvSpPr>
+          <p:cNvPr id="6" name="Rectangle 5"/>
+          <p:cNvSpPr/>
+          <p:nvPr/>
+        </p:nvSpPr>
+        <p:spPr>
+          <a:xfrm>
+            <a:off x="647564" y="3284984"/>
+            <a:ext cx="2232248" cy="576064"/>
+          </a:xfrm>
+          <a:prstGeom prst="rect">
+            <a:avLst/>
+          </a:prstGeom>
+        </p:spPr>
+        <p:style>
+          <a:lnRef idx="1">
+            <a:schemeClr val="accent2"/>
+          </a:lnRef>
+          <a:fillRef idx="3">
+            <a:schemeClr val="accent2"/>
+          </a:fillRef>
+          <a:effectRef idx="2">
+            <a:schemeClr val="accent2"/>
+          </a:effectRef>
+          <a:fontRef idx="minor">
+            <a:schemeClr val="lt1"/>
+          </a:fontRef>
+        </p:style>
+        <p:txBody>
+          <a:bodyPr rtlCol="0" anchor="ctr"/>
+          <a:lstStyle/>
+          <a:p>
+            <a:pPr algn="ctr"/>
+            <a:r>
+              <a:rPr lang="en-US" sz="2800" dirty="0" smtClean="0"/>
+              <a:t>Answer1</a:t>
+            </a:r>
+            <a:endParaRPr lang="en-US" sz="2800" dirty="0"/>
+          </a:p>
+        </p:txBody>
+      </p:sp>
+      <p:sp>
+        <p:nvSpPr>
+          <p:cNvPr id="7" name="Rectangle 6"/>
+          <p:cNvSpPr/>
+          <p:nvPr/>
+        </p:nvSpPr>
+        <p:spPr>
+          <a:xfrm>
+            <a:off x="635782" y="4221088"/>
+            <a:ext cx="2232248" cy="567680"/>
+          </a:xfrm>
+          <a:prstGeom prst="rect">
+            <a:avLst/>
+          </a:prstGeom>
+        </p:spPr>
+        <p:style>
+          <a:lnRef idx="1">
+            <a:schemeClr val="accent2"/>
+          </a:lnRef>
+          <a:fillRef idx="3">
+            <a:schemeClr val="accent2"/>
+          </a:fillRef>
+          <a:effectRef idx="2">
+            <a:schemeClr val="accent2"/>
+          </a:effectRef>
+          <a:fontRef idx="minor">
+            <a:schemeClr val="lt1"/>
+          </a:fontRef>
+        </p:style>
+        <p:txBody>
+          <a:bodyPr rtlCol="0" anchor="ctr"/>
+          <a:lstStyle/>
+          <a:p>
+            <a:pPr algn="ctr"/>
+            <a:r>
+              <a:rPr lang="en-US" sz="2800" dirty="0" smtClean="0"/>
+              <a:t>Answer2</a:t>
+            </a:r>
+          </a:p>
+        </p:txBody>
+      </p:sp>
+      <p:sp>
+        <p:nvSpPr>
+          <p:cNvPr id="8" name="Rectangle 7"/>
+          <p:cNvSpPr/>
+          <p:nvPr/>
+        </p:nvSpPr>
+        <p:spPr>
+          <a:xfrm>
+            <a:off x="971600" y="2924944"/>
+            <a:ext cx="1896430" cy="288032"/>
+          </a:xfrm>
+          <a:prstGeom prst="rect">
+            <a:avLst/>
+          </a:prstGeom>
+        </p:spPr>
+        <p:style>
+          <a:lnRef idx="1">
+            <a:schemeClr val="accent4"/>
+          </a:lnRef>
+          <a:fillRef idx="3">
+            <a:schemeClr val="accent4"/>
+          </a:fillRef>
+          <a:effectRef idx="2">
+            <a:schemeClr val="accent4"/>
+          </a:effectRef>
+          <a:fontRef idx="minor">
+            <a:schemeClr val="lt1"/>
+          </a:fontRef>
+        </p:style>
+        <p:txBody>
+          <a:bodyPr rtlCol="0" anchor="ctr"/>
+          <a:lstStyle/>
+          <a:p>
+            <a:pPr algn="ctr"/>
+            <a:r>
+              <a:rPr lang="en-US" sz="2400" dirty="0" smtClean="0"/>
+              <a:t>Comments</a:t>
+            </a:r>
+            <a:endParaRPr lang="en-US" sz="2400" dirty="0"/>
+          </a:p>
+        </p:txBody>
+      </p:sp>
+      <p:sp>
+        <p:nvSpPr>
+          <p:cNvPr id="9" name="Rectangle 8"/>
+          <p:cNvSpPr/>
+          <p:nvPr/>
+        </p:nvSpPr>
+        <p:spPr>
+          <a:xfrm>
+            <a:off x="971600" y="3861048"/>
+            <a:ext cx="1896430" cy="288032"/>
+          </a:xfrm>
+          <a:prstGeom prst="rect">
+            <a:avLst/>
+          </a:prstGeom>
+        </p:spPr>
+        <p:style>
+          <a:lnRef idx="1">
+            <a:schemeClr val="accent4"/>
+          </a:lnRef>
+          <a:fillRef idx="3">
+            <a:schemeClr val="accent4"/>
+          </a:fillRef>
+          <a:effectRef idx="2">
+            <a:schemeClr val="accent4"/>
+          </a:effectRef>
+          <a:fontRef idx="minor">
+            <a:schemeClr val="lt1"/>
+          </a:fontRef>
+        </p:style>
+        <p:txBody>
+          <a:bodyPr rtlCol="0" anchor="ctr"/>
+          <a:lstStyle/>
+          <a:p>
+            <a:pPr algn="ctr"/>
+            <a:r>
+              <a:rPr lang="en-US" sz="2400" dirty="0" smtClean="0"/>
+              <a:t>Comments</a:t>
+            </a:r>
+            <a:endParaRPr lang="en-US" sz="2400" dirty="0"/>
+          </a:p>
+        </p:txBody>
+      </p:sp>
+      <p:sp>
+        <p:nvSpPr>
+          <p:cNvPr id="10" name="Rectangle 9"/>
+          <p:cNvSpPr/>
+          <p:nvPr/>
+        </p:nvSpPr>
+        <p:spPr>
+          <a:xfrm>
+            <a:off x="971600" y="4797152"/>
+            <a:ext cx="1896430" cy="288032"/>
+          </a:xfrm>
+          <a:prstGeom prst="rect">
+            <a:avLst/>
+          </a:prstGeom>
+        </p:spPr>
+        <p:style>
+          <a:lnRef idx="1">
+            <a:schemeClr val="accent4"/>
+          </a:lnRef>
+          <a:fillRef idx="3">
+            <a:schemeClr val="accent4"/>
+          </a:fillRef>
+          <a:effectRef idx="2">
+            <a:schemeClr val="accent4"/>
+          </a:effectRef>
+          <a:fontRef idx="minor">
+            <a:schemeClr val="lt1"/>
+          </a:fontRef>
+        </p:style>
+        <p:txBody>
+          <a:bodyPr rtlCol="0" anchor="ctr"/>
+          <a:lstStyle/>
+          <a:p>
+            <a:pPr algn="ctr"/>
+            <a:r>
+              <a:rPr lang="en-US" sz="2400" dirty="0" smtClean="0"/>
+              <a:t>Comments</a:t>
+            </a:r>
+            <a:endParaRPr lang="en-US" sz="2400" dirty="0"/>
+          </a:p>
+        </p:txBody>
+      </p:sp>
+      <p:sp>
+        <p:nvSpPr>
+          <p:cNvPr id="12" name="Rectangle 11"/>
+          <p:cNvSpPr/>
+          <p:nvPr/>
+        </p:nvSpPr>
+        <p:spPr>
+          <a:xfrm>
+            <a:off x="1374933" y="4842470"/>
+            <a:ext cx="676787" cy="923330"/>
+          </a:xfrm>
+          <a:prstGeom prst="rect">
+            <a:avLst/>
+          </a:prstGeom>
+          <a:noFill/>
+        </p:spPr>
+        <p:txBody>
+          <a:bodyPr wrap="none" lIns="91440" tIns="45720" rIns="91440" bIns="45720">
+            <a:spAutoFit/>
+          </a:bodyPr>
+          <a:lstStyle/>
+          <a:p>
+            <a:pPr algn="ctr"/>
+            <a:r>
+              <a:rPr lang="en-US" sz="5400" b="1" cap="none" spc="0" dirty="0" smtClean="0">
+                <a:ln w="12700">
+                  <a:solidFill>
+                    <a:schemeClr val="tx2">
+                      <a:satMod val="155000"/>
+                    </a:schemeClr>
+                  </a:solidFill>
+                  <a:prstDash val="solid"/>
+                </a:ln>
+                <a:solidFill>
+                  <a:schemeClr val="bg2">
+                    <a:tint val="85000"/>
+                    <a:satMod val="155000"/>
+                  </a:schemeClr>
+                </a:solidFill>
+                <a:effectLst>
+                  <a:outerShdw blurRad="41275" dist="20320" dir="1800000" algn="tl" rotWithShape="0">
+                    <a:srgbClr val="000000">
+                      <a:alpha val="40000"/>
+                    </a:srgbClr>
+                  </a:outerShdw>
+                </a:effectLst>
+              </a:rPr>
+              <a:t>…</a:t>
+            </a:r>
+            <a:endParaRPr lang="en-US" sz="5400" b="1" cap="none" spc="0" dirty="0">
+              <a:ln w="12700">
+                <a:solidFill>
+                  <a:schemeClr val="tx2">
+                    <a:satMod val="155000"/>
+                  </a:schemeClr>
+                </a:solidFill>
+                <a:prstDash val="solid"/>
+              </a:ln>
+              <a:solidFill>
+                <a:schemeClr val="bg2">
+                  <a:tint val="85000"/>
+                  <a:satMod val="155000"/>
+                </a:schemeClr>
+              </a:solidFill>
+              <a:effectLst>
+                <a:outerShdw blurRad="41275" dist="20320" dir="1800000" algn="tl" rotWithShape="0">
+                  <a:srgbClr val="000000">
+                    <a:alpha val="40000"/>
+                  </a:srgbClr>
+                </a:outerShdw>
+              </a:effectLst>
+            </a:endParaRPr>
+          </a:p>
+        </p:txBody>
+      </p:sp>
+      <p:sp>
+        <p:nvSpPr>
+          <p:cNvPr id="13" name="Rectangle 12"/>
+          <p:cNvSpPr/>
+          <p:nvPr/>
+        </p:nvSpPr>
+        <p:spPr>
+          <a:xfrm>
+            <a:off x="3328156" y="2204864"/>
+            <a:ext cx="2736304" cy="3744416"/>
+          </a:xfrm>
+          <a:prstGeom prst="rect">
+            <a:avLst/>
+          </a:prstGeom>
+        </p:spPr>
+        <p:style>
+          <a:lnRef idx="1">
+            <a:schemeClr val="accent3"/>
+          </a:lnRef>
+          <a:fillRef idx="2">
+            <a:schemeClr val="accent3"/>
+          </a:fillRef>
+          <a:effectRef idx="1">
+            <a:schemeClr val="accent3"/>
+          </a:effectRef>
+          <a:fontRef idx="minor">
+            <a:schemeClr val="dk1"/>
+          </a:fontRef>
+        </p:style>
+        <p:txBody>
+          <a:bodyPr rtlCol="0" anchor="ctr"/>
+          <a:lstStyle/>
+          <a:p>
+            <a:pPr algn="ctr"/>
+            <a:endParaRPr lang="en-US" dirty="0"/>
+          </a:p>
+        </p:txBody>
+      </p:sp>
+      <p:sp>
+        <p:nvSpPr>
+          <p:cNvPr id="14" name="Rectangle 13"/>
+          <p:cNvSpPr/>
+          <p:nvPr/>
+        </p:nvSpPr>
+        <p:spPr>
+          <a:xfrm>
+            <a:off x="3580184" y="2348880"/>
+            <a:ext cx="2232248" cy="576064"/>
+          </a:xfrm>
+          <a:prstGeom prst="rect">
+            <a:avLst/>
+          </a:prstGeom>
+        </p:spPr>
+        <p:style>
+          <a:lnRef idx="1">
+            <a:schemeClr val="accent1"/>
+          </a:lnRef>
+          <a:fillRef idx="3">
+            <a:schemeClr val="accent1"/>
+          </a:fillRef>
+          <a:effectRef idx="2">
+            <a:schemeClr val="accent1"/>
+          </a:effectRef>
+          <a:fontRef idx="minor">
+            <a:schemeClr val="lt1"/>
+          </a:fontRef>
+        </p:style>
+        <p:txBody>
+          <a:bodyPr rtlCol="0" anchor="ctr"/>
+          <a:lstStyle/>
+          <a:p>
+            <a:pPr algn="ctr"/>
+            <a:r>
+              <a:rPr lang="en-US" sz="2800" dirty="0" smtClean="0"/>
+              <a:t>Discussion</a:t>
+            </a:r>
+            <a:endParaRPr lang="en-US" sz="2800" dirty="0"/>
+          </a:p>
+        </p:txBody>
+      </p:sp>
+      <p:sp>
+        <p:nvSpPr>
+          <p:cNvPr id="15" name="Rectangle 14"/>
+          <p:cNvSpPr/>
+          <p:nvPr/>
+        </p:nvSpPr>
+        <p:spPr>
+          <a:xfrm>
+            <a:off x="3580184" y="3068960"/>
+            <a:ext cx="2232248" cy="576064"/>
+          </a:xfrm>
+          <a:prstGeom prst="rect">
+            <a:avLst/>
+          </a:prstGeom>
+        </p:spPr>
+        <p:style>
+          <a:lnRef idx="1">
+            <a:schemeClr val="accent2"/>
+          </a:lnRef>
+          <a:fillRef idx="3">
+            <a:schemeClr val="accent2"/>
+          </a:fillRef>
+          <a:effectRef idx="2">
+            <a:schemeClr val="accent2"/>
+          </a:effectRef>
+          <a:fontRef idx="minor">
+            <a:schemeClr val="lt1"/>
+          </a:fontRef>
+        </p:style>
+        <p:txBody>
+          <a:bodyPr rtlCol="0" anchor="ctr"/>
+          <a:lstStyle/>
+          <a:p>
+            <a:pPr algn="ctr"/>
+            <a:r>
+              <a:rPr lang="en-US" sz="2800" dirty="0" smtClean="0"/>
+              <a:t>Reply1</a:t>
+            </a:r>
+            <a:endParaRPr lang="en-US" sz="2800" dirty="0"/>
+          </a:p>
+        </p:txBody>
+      </p:sp>
+      <p:sp>
+        <p:nvSpPr>
+          <p:cNvPr id="16" name="Rectangle 15"/>
+          <p:cNvSpPr/>
+          <p:nvPr/>
+        </p:nvSpPr>
+        <p:spPr>
+          <a:xfrm>
+            <a:off x="3568402" y="3797424"/>
+            <a:ext cx="2232248" cy="567680"/>
+          </a:xfrm>
+          <a:prstGeom prst="rect">
+            <a:avLst/>
+          </a:prstGeom>
+        </p:spPr>
+        <p:style>
+          <a:lnRef idx="1">
+            <a:schemeClr val="accent2"/>
+          </a:lnRef>
+          <a:fillRef idx="3">
+            <a:schemeClr val="accent2"/>
+          </a:fillRef>
+          <a:effectRef idx="2">
+            <a:schemeClr val="accent2"/>
+          </a:effectRef>
+          <a:fontRef idx="minor">
+            <a:schemeClr val="lt1"/>
+          </a:fontRef>
+        </p:style>
+        <p:txBody>
+          <a:bodyPr rtlCol="0" anchor="ctr"/>
+          <a:lstStyle/>
+          <a:p>
+            <a:pPr algn="ctr"/>
+            <a:r>
+              <a:rPr lang="en-US" sz="2800" dirty="0" smtClean="0"/>
+              <a:t>Reply2</a:t>
+            </a:r>
+          </a:p>
+        </p:txBody>
+      </p:sp>
+      <p:sp>
+        <p:nvSpPr>
+          <p:cNvPr id="20" name="Rectangle 19"/>
+          <p:cNvSpPr/>
+          <p:nvPr/>
+        </p:nvSpPr>
+        <p:spPr>
+          <a:xfrm>
+            <a:off x="4307553" y="4842470"/>
+            <a:ext cx="676787" cy="923330"/>
+          </a:xfrm>
+          <a:prstGeom prst="rect">
+            <a:avLst/>
+          </a:prstGeom>
+          <a:noFill/>
+        </p:spPr>
+        <p:txBody>
+          <a:bodyPr wrap="none" lIns="91440" tIns="45720" rIns="91440" bIns="45720">
+            <a:spAutoFit/>
+          </a:bodyPr>
+          <a:lstStyle/>
+          <a:p>
+            <a:pPr algn="ctr"/>
+            <a:r>
+              <a:rPr lang="en-US" sz="5400" b="1" cap="none" spc="0" dirty="0" smtClean="0">
+                <a:ln w="12700">
+                  <a:solidFill>
+                    <a:schemeClr val="tx2">
+                      <a:satMod val="155000"/>
+                    </a:schemeClr>
+                  </a:solidFill>
+                  <a:prstDash val="solid"/>
+                </a:ln>
+                <a:solidFill>
+                  <a:schemeClr val="bg2">
+                    <a:tint val="85000"/>
+                    <a:satMod val="155000"/>
+                  </a:schemeClr>
+                </a:solidFill>
+                <a:effectLst>
+                  <a:outerShdw blurRad="41275" dist="20320" dir="1800000" algn="tl" rotWithShape="0">
+                    <a:srgbClr val="000000">
+                      <a:alpha val="40000"/>
+                    </a:srgbClr>
+                  </a:outerShdw>
+                </a:effectLst>
+              </a:rPr>
+              <a:t>…</a:t>
+            </a:r>
+            <a:endParaRPr lang="en-US" sz="5400" b="1" cap="none" spc="0" dirty="0">
+              <a:ln w="12700">
+                <a:solidFill>
+                  <a:schemeClr val="tx2">
+                    <a:satMod val="155000"/>
+                  </a:schemeClr>
+                </a:solidFill>
+                <a:prstDash val="solid"/>
+              </a:ln>
+              <a:solidFill>
+                <a:schemeClr val="bg2">
+                  <a:tint val="85000"/>
+                  <a:satMod val="155000"/>
+                </a:schemeClr>
+              </a:solidFill>
+              <a:effectLst>
+                <a:outerShdw blurRad="41275" dist="20320" dir="1800000" algn="tl" rotWithShape="0">
+                  <a:srgbClr val="000000">
+                    <a:alpha val="40000"/>
+                  </a:srgbClr>
+                </a:outerShdw>
+              </a:effectLst>
+            </a:endParaRPr>
+          </a:p>
+        </p:txBody>
+      </p:sp>
+      <p:sp>
+        <p:nvSpPr>
+          <p:cNvPr id="21" name="Rectangle 20"/>
+          <p:cNvSpPr/>
+          <p:nvPr/>
+        </p:nvSpPr>
+        <p:spPr>
+          <a:xfrm>
+            <a:off x="6228184" y="2210594"/>
+            <a:ext cx="2736304" cy="3744416"/>
+          </a:xfrm>
+          <a:prstGeom prst="rect">
+            <a:avLst/>
+          </a:prstGeom>
+        </p:spPr>
+        <p:style>
+          <a:lnRef idx="1">
+            <a:schemeClr val="accent3"/>
+          </a:lnRef>
+          <a:fillRef idx="2">
+            <a:schemeClr val="accent3"/>
+          </a:fillRef>
+          <a:effectRef idx="1">
+            <a:schemeClr val="accent3"/>
+          </a:effectRef>
+          <a:fontRef idx="minor">
+            <a:schemeClr val="dk1"/>
+          </a:fontRef>
+        </p:style>
+        <p:txBody>
+          <a:bodyPr rtlCol="0" anchor="ctr"/>
+          <a:lstStyle/>
+          <a:p>
+            <a:pPr algn="ctr"/>
+            <a:endParaRPr lang="en-US" dirty="0"/>
+          </a:p>
+        </p:txBody>
+      </p:sp>
+      <p:sp>
+        <p:nvSpPr>
+          <p:cNvPr id="22" name="Rectangle 21"/>
+          <p:cNvSpPr/>
+          <p:nvPr/>
+        </p:nvSpPr>
+        <p:spPr>
+          <a:xfrm>
+            <a:off x="6480212" y="2354610"/>
+            <a:ext cx="2232248" cy="1650454"/>
+          </a:xfrm>
+          <a:prstGeom prst="rect">
+            <a:avLst/>
+          </a:prstGeom>
+        </p:spPr>
+        <p:style>
+          <a:lnRef idx="1">
+            <a:schemeClr val="accent1"/>
+          </a:lnRef>
+          <a:fillRef idx="3">
+            <a:schemeClr val="accent1"/>
+          </a:fillRef>
+          <a:effectRef idx="2">
+            <a:schemeClr val="accent1"/>
+          </a:effectRef>
+          <a:fontRef idx="minor">
+            <a:schemeClr val="lt1"/>
+          </a:fontRef>
+        </p:style>
+        <p:txBody>
+          <a:bodyPr rtlCol="0" anchor="ctr"/>
+          <a:lstStyle/>
+          <a:p>
+            <a:pPr algn="ctr"/>
+            <a:r>
+              <a:rPr lang="en-US" sz="2800" dirty="0" smtClean="0"/>
+              <a:t>Blog</a:t>
+            </a:r>
+            <a:endParaRPr lang="en-US" sz="2800" dirty="0"/>
+          </a:p>
+        </p:txBody>
+      </p:sp>
+      <p:sp>
+        <p:nvSpPr>
+          <p:cNvPr id="25" name="Rectangle 24"/>
+          <p:cNvSpPr/>
+          <p:nvPr/>
+        </p:nvSpPr>
+        <p:spPr>
+          <a:xfrm>
+            <a:off x="6804248" y="4077072"/>
+            <a:ext cx="1896430" cy="288032"/>
+          </a:xfrm>
+          <a:prstGeom prst="rect">
+            <a:avLst/>
+          </a:prstGeom>
+        </p:spPr>
+        <p:style>
+          <a:lnRef idx="1">
+            <a:schemeClr val="accent4"/>
+          </a:lnRef>
+          <a:fillRef idx="3">
+            <a:schemeClr val="accent4"/>
+          </a:fillRef>
+          <a:effectRef idx="2">
+            <a:schemeClr val="accent4"/>
+          </a:effectRef>
+          <a:fontRef idx="minor">
+            <a:schemeClr val="lt1"/>
+          </a:fontRef>
+        </p:style>
+        <p:txBody>
+          <a:bodyPr rtlCol="0" anchor="ctr"/>
+          <a:lstStyle/>
+          <a:p>
+            <a:pPr algn="ctr"/>
+            <a:r>
+              <a:rPr lang="en-US" sz="2400" dirty="0" smtClean="0"/>
+              <a:t>Comments</a:t>
+            </a:r>
+            <a:endParaRPr lang="en-US" sz="2400" dirty="0"/>
+          </a:p>
+        </p:txBody>
+      </p:sp>
+      <p:sp>
+        <p:nvSpPr>
+          <p:cNvPr id="26" name="Rectangle 25"/>
+          <p:cNvSpPr/>
+          <p:nvPr/>
+        </p:nvSpPr>
+        <p:spPr>
+          <a:xfrm>
+            <a:off x="6804248" y="4437112"/>
+            <a:ext cx="1896430" cy="288032"/>
+          </a:xfrm>
+          <a:prstGeom prst="rect">
+            <a:avLst/>
+          </a:prstGeom>
+        </p:spPr>
+        <p:style>
+          <a:lnRef idx="1">
+            <a:schemeClr val="accent4"/>
+          </a:lnRef>
+          <a:fillRef idx="3">
+            <a:schemeClr val="accent4"/>
+          </a:fillRef>
+          <a:effectRef idx="2">
+            <a:schemeClr val="accent4"/>
+          </a:effectRef>
+          <a:fontRef idx="minor">
+            <a:schemeClr val="lt1"/>
+          </a:fontRef>
+        </p:style>
+        <p:txBody>
+          <a:bodyPr rtlCol="0" anchor="ctr"/>
+          <a:lstStyle/>
+          <a:p>
+            <a:pPr algn="ctr"/>
+            <a:r>
+              <a:rPr lang="en-US" sz="2400" dirty="0" smtClean="0"/>
+              <a:t>Comments</a:t>
+            </a:r>
+            <a:endParaRPr lang="en-US" sz="2400" dirty="0"/>
+          </a:p>
+        </p:txBody>
+      </p:sp>
+      <p:sp>
+        <p:nvSpPr>
+          <p:cNvPr id="27" name="Rectangle 26"/>
+          <p:cNvSpPr/>
+          <p:nvPr/>
+        </p:nvSpPr>
+        <p:spPr>
+          <a:xfrm>
+            <a:off x="6804248" y="4802882"/>
+            <a:ext cx="1896430" cy="288032"/>
+          </a:xfrm>
+          <a:prstGeom prst="rect">
+            <a:avLst/>
+          </a:prstGeom>
+        </p:spPr>
+        <p:style>
+          <a:lnRef idx="1">
+            <a:schemeClr val="accent4"/>
+          </a:lnRef>
+          <a:fillRef idx="3">
+            <a:schemeClr val="accent4"/>
+          </a:fillRef>
+          <a:effectRef idx="2">
+            <a:schemeClr val="accent4"/>
+          </a:effectRef>
+          <a:fontRef idx="minor">
+            <a:schemeClr val="lt1"/>
+          </a:fontRef>
+        </p:style>
+        <p:txBody>
+          <a:bodyPr rtlCol="0" anchor="ctr"/>
+          <a:lstStyle/>
+          <a:p>
+            <a:pPr algn="ctr"/>
+            <a:r>
+              <a:rPr lang="en-US" sz="2400" dirty="0" smtClean="0"/>
+              <a:t>Comments</a:t>
+            </a:r>
+            <a:endParaRPr lang="en-US" sz="2400" dirty="0"/>
+          </a:p>
+        </p:txBody>
+      </p:sp>
+      <p:sp>
+        <p:nvSpPr>
+          <p:cNvPr id="28" name="Rectangle 27"/>
+          <p:cNvSpPr/>
+          <p:nvPr/>
+        </p:nvSpPr>
+        <p:spPr>
+          <a:xfrm>
+            <a:off x="7207581" y="4848200"/>
+            <a:ext cx="676787" cy="923330"/>
+          </a:xfrm>
+          <a:prstGeom prst="rect">
+            <a:avLst/>
+          </a:prstGeom>
+          <a:noFill/>
+        </p:spPr>
+        <p:txBody>
+          <a:bodyPr wrap="none" lIns="91440" tIns="45720" rIns="91440" bIns="45720">
+            <a:spAutoFit/>
+          </a:bodyPr>
+          <a:lstStyle/>
+          <a:p>
+            <a:pPr algn="ctr"/>
+            <a:r>
+              <a:rPr lang="en-US" sz="5400" b="1" cap="none" spc="0" dirty="0" smtClean="0">
+                <a:ln w="12700">
+                  <a:solidFill>
+                    <a:schemeClr val="tx2">
+                      <a:satMod val="155000"/>
+                    </a:schemeClr>
+                  </a:solidFill>
+                  <a:prstDash val="solid"/>
+                </a:ln>
+                <a:solidFill>
+                  <a:schemeClr val="bg2">
+                    <a:tint val="85000"/>
+                    <a:satMod val="155000"/>
+                  </a:schemeClr>
+                </a:solidFill>
+                <a:effectLst>
+                  <a:outerShdw blurRad="41275" dist="20320" dir="1800000" algn="tl" rotWithShape="0">
+                    <a:srgbClr val="000000">
+                      <a:alpha val="40000"/>
+                    </a:srgbClr>
+                  </a:outerShdw>
+                </a:effectLst>
+              </a:rPr>
+              <a:t>…</a:t>
+            </a:r>
+            <a:endParaRPr lang="en-US" sz="5400" b="1" cap="none" spc="0" dirty="0">
+              <a:ln w="12700">
+                <a:solidFill>
+                  <a:schemeClr val="tx2">
+                    <a:satMod val="155000"/>
+                  </a:schemeClr>
+                </a:solidFill>
+                <a:prstDash val="solid"/>
+              </a:ln>
+              <a:solidFill>
+                <a:schemeClr val="bg2">
+                  <a:tint val="85000"/>
+                  <a:satMod val="155000"/>
+                </a:schemeClr>
+              </a:solidFill>
+              <a:effectLst>
+                <a:outerShdw blurRad="41275" dist="20320" dir="1800000" algn="tl" rotWithShape="0">
+                  <a:srgbClr val="000000">
+                    <a:alpha val="40000"/>
+                  </a:srgbClr>
+                </a:outerShdw>
+              </a:effectLst>
+            </a:endParaRPr>
+          </a:p>
+        </p:txBody>
+      </p:sp>
+      <p:sp>
+        <p:nvSpPr>
+          <p:cNvPr id="29" name="Rectangle 28"/>
+          <p:cNvSpPr/>
+          <p:nvPr/>
+        </p:nvSpPr>
+        <p:spPr>
+          <a:xfrm>
+            <a:off x="3563888" y="4517504"/>
+            <a:ext cx="2232248" cy="567680"/>
+          </a:xfrm>
+          <a:prstGeom prst="rect">
+            <a:avLst/>
+          </a:prstGeom>
+        </p:spPr>
+        <p:style>
+          <a:lnRef idx="1">
+            <a:schemeClr val="accent2"/>
+          </a:lnRef>
+          <a:fillRef idx="3">
+            <a:schemeClr val="accent2"/>
+          </a:fillRef>
+          <a:effectRef idx="2">
+            <a:schemeClr val="accent2"/>
+          </a:effectRef>
+          <a:fontRef idx="minor">
+            <a:schemeClr val="lt1"/>
+          </a:fontRef>
+        </p:style>
+        <p:txBody>
+          <a:bodyPr rtlCol="0" anchor="ctr"/>
+          <a:lstStyle/>
+          <a:p>
+            <a:pPr algn="ctr"/>
+            <a:r>
+              <a:rPr lang="en-US" sz="2800" dirty="0" smtClean="0"/>
+              <a:t>Reply3</a:t>
+            </a:r>
+          </a:p>
+        </p:txBody>
+      </p:sp>
+    </p:spTree>
+    <p:extLst>
+      <p:ext uri="{BB962C8B-B14F-4D97-AF65-F5344CB8AC3E}">
+        <p14:creationId xmlns:p14="http://schemas.microsoft.com/office/powerpoint/2010/main" val="2298716430"/>
+      </p:ext>
+    </p:extLst>
+  </p:cSld>
+  <p:clrMapOvr>
+    <a:masterClrMapping/>
+  </p:clrMapOvr>
+</p:sld>
+</file>
+
 <file path=ppt/theme/theme1.xml><?xml version="1.0" encoding="utf-8"?>
 <a:theme xmlns:a="http://schemas.openxmlformats.org/drawingml/2006/main" name="Office 主题">
   <a:themeElements>

--- a/bioinf_project/static/images/pics.pptx
+++ b/bioinf_project/static/images/pics.pptx
@@ -12,6 +12,7 @@
     <p:sldId id="261" r:id="rId6"/>
     <p:sldId id="262" r:id="rId7"/>
     <p:sldId id="263" r:id="rId8"/>
+    <p:sldId id="264" r:id="rId9"/>
   </p:sldIdLst>
   <p:sldSz cx="9144000" cy="6858000" type="screen4x3"/>
   <p:notesSz cx="6858000" cy="9144000"/>
@@ -295,7 +296,7 @@
             <a:fld id="{530820CF-B880-4189-942D-D702A7CBA730}" type="datetimeFigureOut">
               <a:rPr lang="zh-CN" altLang="en-US" smtClean="0"/>
               <a:pPr/>
-              <a:t>2014/12/18</a:t>
+              <a:t>2014/12/23</a:t>
             </a:fld>
             <a:endParaRPr lang="zh-CN" altLang="en-US"/>
           </a:p>
@@ -462,7 +463,7 @@
             <a:fld id="{530820CF-B880-4189-942D-D702A7CBA730}" type="datetimeFigureOut">
               <a:rPr lang="zh-CN" altLang="en-US" smtClean="0"/>
               <a:pPr/>
-              <a:t>2014/12/18</a:t>
+              <a:t>2014/12/23</a:t>
             </a:fld>
             <a:endParaRPr lang="zh-CN" altLang="en-US"/>
           </a:p>
@@ -639,7 +640,7 @@
             <a:fld id="{530820CF-B880-4189-942D-D702A7CBA730}" type="datetimeFigureOut">
               <a:rPr lang="zh-CN" altLang="en-US" smtClean="0"/>
               <a:pPr/>
-              <a:t>2014/12/18</a:t>
+              <a:t>2014/12/23</a:t>
             </a:fld>
             <a:endParaRPr lang="zh-CN" altLang="en-US"/>
           </a:p>
@@ -806,7 +807,7 @@
             <a:fld id="{530820CF-B880-4189-942D-D702A7CBA730}" type="datetimeFigureOut">
               <a:rPr lang="zh-CN" altLang="en-US" smtClean="0"/>
               <a:pPr/>
-              <a:t>2014/12/18</a:t>
+              <a:t>2014/12/23</a:t>
             </a:fld>
             <a:endParaRPr lang="zh-CN" altLang="en-US"/>
           </a:p>
@@ -1049,7 +1050,7 @@
             <a:fld id="{530820CF-B880-4189-942D-D702A7CBA730}" type="datetimeFigureOut">
               <a:rPr lang="zh-CN" altLang="en-US" smtClean="0"/>
               <a:pPr/>
-              <a:t>2014/12/18</a:t>
+              <a:t>2014/12/23</a:t>
             </a:fld>
             <a:endParaRPr lang="zh-CN" altLang="en-US"/>
           </a:p>
@@ -1334,7 +1335,7 @@
             <a:fld id="{530820CF-B880-4189-942D-D702A7CBA730}" type="datetimeFigureOut">
               <a:rPr lang="zh-CN" altLang="en-US" smtClean="0"/>
               <a:pPr/>
-              <a:t>2014/12/18</a:t>
+              <a:t>2014/12/23</a:t>
             </a:fld>
             <a:endParaRPr lang="zh-CN" altLang="en-US"/>
           </a:p>
@@ -1753,7 +1754,7 @@
             <a:fld id="{530820CF-B880-4189-942D-D702A7CBA730}" type="datetimeFigureOut">
               <a:rPr lang="zh-CN" altLang="en-US" smtClean="0"/>
               <a:pPr/>
-              <a:t>2014/12/18</a:t>
+              <a:t>2014/12/23</a:t>
             </a:fld>
             <a:endParaRPr lang="zh-CN" altLang="en-US"/>
           </a:p>
@@ -1868,7 +1869,7 @@
             <a:fld id="{530820CF-B880-4189-942D-D702A7CBA730}" type="datetimeFigureOut">
               <a:rPr lang="zh-CN" altLang="en-US" smtClean="0"/>
               <a:pPr/>
-              <a:t>2014/12/18</a:t>
+              <a:t>2014/12/23</a:t>
             </a:fld>
             <a:endParaRPr lang="zh-CN" altLang="en-US"/>
           </a:p>
@@ -1960,7 +1961,7 @@
             <a:fld id="{530820CF-B880-4189-942D-D702A7CBA730}" type="datetimeFigureOut">
               <a:rPr lang="zh-CN" altLang="en-US" smtClean="0"/>
               <a:pPr/>
-              <a:t>2014/12/18</a:t>
+              <a:t>2014/12/23</a:t>
             </a:fld>
             <a:endParaRPr lang="zh-CN" altLang="en-US"/>
           </a:p>
@@ -2234,7 +2235,7 @@
             <a:fld id="{530820CF-B880-4189-942D-D702A7CBA730}" type="datetimeFigureOut">
               <a:rPr lang="zh-CN" altLang="en-US" smtClean="0"/>
               <a:pPr/>
-              <a:t>2014/12/18</a:t>
+              <a:t>2014/12/23</a:t>
             </a:fld>
             <a:endParaRPr lang="zh-CN" altLang="en-US"/>
           </a:p>
@@ -2484,7 +2485,7 @@
             <a:fld id="{530820CF-B880-4189-942D-D702A7CBA730}" type="datetimeFigureOut">
               <a:rPr lang="zh-CN" altLang="en-US" smtClean="0"/>
               <a:pPr/>
-              <a:t>2014/12/18</a:t>
+              <a:t>2014/12/23</a:t>
             </a:fld>
             <a:endParaRPr lang="zh-CN" altLang="en-US"/>
           </a:p>
@@ -2694,7 +2695,7 @@
             <a:fld id="{530820CF-B880-4189-942D-D702A7CBA730}" type="datetimeFigureOut">
               <a:rPr lang="zh-CN" altLang="en-US" smtClean="0"/>
               <a:pPr/>
-              <a:t>2014/12/18</a:t>
+              <a:t>2014/12/23</a:t>
             </a:fld>
             <a:endParaRPr lang="zh-CN" altLang="en-US"/>
           </a:p>
@@ -4400,7 +4401,11 @@
           <a:bodyPr/>
           <a:lstStyle/>
           <a:p>
-            <a:endParaRPr lang="en-US"/>
+            <a:r>
+              <a:rPr lang="en-US" dirty="0" smtClean="0"/>
+              <a:t>Post types</a:t>
+            </a:r>
+            <a:endParaRPr lang="en-US" dirty="0"/>
           </a:p>
         </p:txBody>
       </p:sp>
@@ -5332,6 +5337,103 @@
     <p:extLst>
       <p:ext uri="{BB962C8B-B14F-4D97-AF65-F5344CB8AC3E}">
         <p14:creationId xmlns:p14="http://schemas.microsoft.com/office/powerpoint/2010/main" val="2298716430"/>
+      </p:ext>
+    </p:extLst>
+  </p:cSld>
+  <p:clrMapOvr>
+    <a:masterClrMapping/>
+  </p:clrMapOvr>
+</p:sld>
+</file>
+
+<file path=ppt/slides/slide8.xml><?xml version="1.0" encoding="utf-8"?>
+<p:sld xmlns:a="http://schemas.openxmlformats.org/drawingml/2006/main" xmlns:r="http://schemas.openxmlformats.org/officeDocument/2006/relationships" xmlns:p="http://schemas.openxmlformats.org/presentationml/2006/main">
+  <p:cSld>
+    <p:spTree>
+      <p:nvGrpSpPr>
+        <p:cNvPr id="1" name=""/>
+        <p:cNvGrpSpPr/>
+        <p:nvPr/>
+      </p:nvGrpSpPr>
+      <p:grpSpPr>
+        <a:xfrm>
+          <a:off x="0" y="0"/>
+          <a:ext cx="0" cy="0"/>
+          <a:chOff x="0" y="0"/>
+          <a:chExt cx="0" cy="0"/>
+        </a:xfrm>
+      </p:grpSpPr>
+      <p:sp>
+        <p:nvSpPr>
+          <p:cNvPr id="2" name="Title 1"/>
+          <p:cNvSpPr>
+            <a:spLocks noGrp="1"/>
+          </p:cNvSpPr>
+          <p:nvPr>
+            <p:ph type="title"/>
+          </p:nvPr>
+        </p:nvSpPr>
+        <p:spPr/>
+        <p:txBody>
+          <a:bodyPr/>
+          <a:lstStyle/>
+          <a:p>
+            <a:r>
+              <a:rPr lang="en-US" dirty="0" smtClean="0"/>
+              <a:t>notification</a:t>
+            </a:r>
+            <a:endParaRPr lang="en-US" dirty="0"/>
+          </a:p>
+        </p:txBody>
+      </p:sp>
+      <p:sp>
+        <p:nvSpPr>
+          <p:cNvPr id="5" name="Rounded Rectangular Callout 4"/>
+          <p:cNvSpPr/>
+          <p:nvPr/>
+        </p:nvSpPr>
+        <p:spPr>
+          <a:xfrm>
+            <a:off x="2112690" y="3377183"/>
+            <a:ext cx="581583" cy="472430"/>
+          </a:xfrm>
+          <a:prstGeom prst="wedgeRoundRectCallout">
+            <a:avLst/>
+          </a:prstGeom>
+          <a:solidFill>
+            <a:schemeClr val="tx1">
+              <a:lumMod val="75000"/>
+              <a:lumOff val="25000"/>
+            </a:schemeClr>
+          </a:solidFill>
+        </p:spPr>
+        <p:style>
+          <a:lnRef idx="1">
+            <a:schemeClr val="dk1"/>
+          </a:lnRef>
+          <a:fillRef idx="2">
+            <a:schemeClr val="dk1"/>
+          </a:fillRef>
+          <a:effectRef idx="1">
+            <a:schemeClr val="dk1"/>
+          </a:effectRef>
+          <a:fontRef idx="minor">
+            <a:schemeClr val="dk1"/>
+          </a:fontRef>
+        </p:style>
+        <p:txBody>
+          <a:bodyPr rtlCol="0" anchor="ctr"/>
+          <a:lstStyle/>
+          <a:p>
+            <a:pPr algn="ctr"/>
+            <a:endParaRPr lang="en-US"/>
+          </a:p>
+        </p:txBody>
+      </p:sp>
+    </p:spTree>
+    <p:extLst>
+      <p:ext uri="{BB962C8B-B14F-4D97-AF65-F5344CB8AC3E}">
+        <p14:creationId xmlns:p14="http://schemas.microsoft.com/office/powerpoint/2010/main" val="3858921789"/>
       </p:ext>
     </p:extLst>
   </p:cSld>

--- a/bioinf_project/static/images/pics.pptx
+++ b/bioinf_project/static/images/pics.pptx
@@ -10,9 +10,10 @@
     <p:sldId id="259" r:id="rId4"/>
     <p:sldId id="260" r:id="rId5"/>
     <p:sldId id="261" r:id="rId6"/>
-    <p:sldId id="262" r:id="rId7"/>
-    <p:sldId id="263" r:id="rId8"/>
-    <p:sldId id="264" r:id="rId9"/>
+    <p:sldId id="265" r:id="rId7"/>
+    <p:sldId id="262" r:id="rId8"/>
+    <p:sldId id="263" r:id="rId9"/>
+    <p:sldId id="264" r:id="rId10"/>
   </p:sldIdLst>
   <p:sldSz cx="9144000" cy="6858000" type="screen4x3"/>
   <p:notesSz cx="6858000" cy="9144000"/>
@@ -296,7 +297,7 @@
             <a:fld id="{530820CF-B880-4189-942D-D702A7CBA730}" type="datetimeFigureOut">
               <a:rPr lang="zh-CN" altLang="en-US" smtClean="0"/>
               <a:pPr/>
-              <a:t>2014/12/23</a:t>
+              <a:t>2015/1/24</a:t>
             </a:fld>
             <a:endParaRPr lang="zh-CN" altLang="en-US"/>
           </a:p>
@@ -463,7 +464,7 @@
             <a:fld id="{530820CF-B880-4189-942D-D702A7CBA730}" type="datetimeFigureOut">
               <a:rPr lang="zh-CN" altLang="en-US" smtClean="0"/>
               <a:pPr/>
-              <a:t>2014/12/23</a:t>
+              <a:t>2015/1/24</a:t>
             </a:fld>
             <a:endParaRPr lang="zh-CN" altLang="en-US"/>
           </a:p>
@@ -640,7 +641,7 @@
             <a:fld id="{530820CF-B880-4189-942D-D702A7CBA730}" type="datetimeFigureOut">
               <a:rPr lang="zh-CN" altLang="en-US" smtClean="0"/>
               <a:pPr/>
-              <a:t>2014/12/23</a:t>
+              <a:t>2015/1/24</a:t>
             </a:fld>
             <a:endParaRPr lang="zh-CN" altLang="en-US"/>
           </a:p>
@@ -807,7 +808,7 @@
             <a:fld id="{530820CF-B880-4189-942D-D702A7CBA730}" type="datetimeFigureOut">
               <a:rPr lang="zh-CN" altLang="en-US" smtClean="0"/>
               <a:pPr/>
-              <a:t>2014/12/23</a:t>
+              <a:t>2015/1/24</a:t>
             </a:fld>
             <a:endParaRPr lang="zh-CN" altLang="en-US"/>
           </a:p>
@@ -1050,7 +1051,7 @@
             <a:fld id="{530820CF-B880-4189-942D-D702A7CBA730}" type="datetimeFigureOut">
               <a:rPr lang="zh-CN" altLang="en-US" smtClean="0"/>
               <a:pPr/>
-              <a:t>2014/12/23</a:t>
+              <a:t>2015/1/24</a:t>
             </a:fld>
             <a:endParaRPr lang="zh-CN" altLang="en-US"/>
           </a:p>
@@ -1335,7 +1336,7 @@
             <a:fld id="{530820CF-B880-4189-942D-D702A7CBA730}" type="datetimeFigureOut">
               <a:rPr lang="zh-CN" altLang="en-US" smtClean="0"/>
               <a:pPr/>
-              <a:t>2014/12/23</a:t>
+              <a:t>2015/1/24</a:t>
             </a:fld>
             <a:endParaRPr lang="zh-CN" altLang="en-US"/>
           </a:p>
@@ -1754,7 +1755,7 @@
             <a:fld id="{530820CF-B880-4189-942D-D702A7CBA730}" type="datetimeFigureOut">
               <a:rPr lang="zh-CN" altLang="en-US" smtClean="0"/>
               <a:pPr/>
-              <a:t>2014/12/23</a:t>
+              <a:t>2015/1/24</a:t>
             </a:fld>
             <a:endParaRPr lang="zh-CN" altLang="en-US"/>
           </a:p>
@@ -1869,7 +1870,7 @@
             <a:fld id="{530820CF-B880-4189-942D-D702A7CBA730}" type="datetimeFigureOut">
               <a:rPr lang="zh-CN" altLang="en-US" smtClean="0"/>
               <a:pPr/>
-              <a:t>2014/12/23</a:t>
+              <a:t>2015/1/24</a:t>
             </a:fld>
             <a:endParaRPr lang="zh-CN" altLang="en-US"/>
           </a:p>
@@ -1961,7 +1962,7 @@
             <a:fld id="{530820CF-B880-4189-942D-D702A7CBA730}" type="datetimeFigureOut">
               <a:rPr lang="zh-CN" altLang="en-US" smtClean="0"/>
               <a:pPr/>
-              <a:t>2014/12/23</a:t>
+              <a:t>2015/1/24</a:t>
             </a:fld>
             <a:endParaRPr lang="zh-CN" altLang="en-US"/>
           </a:p>
@@ -2235,7 +2236,7 @@
             <a:fld id="{530820CF-B880-4189-942D-D702A7CBA730}" type="datetimeFigureOut">
               <a:rPr lang="zh-CN" altLang="en-US" smtClean="0"/>
               <a:pPr/>
-              <a:t>2014/12/23</a:t>
+              <a:t>2015/1/24</a:t>
             </a:fld>
             <a:endParaRPr lang="zh-CN" altLang="en-US"/>
           </a:p>
@@ -2485,7 +2486,7 @@
             <a:fld id="{530820CF-B880-4189-942D-D702A7CBA730}" type="datetimeFigureOut">
               <a:rPr lang="zh-CN" altLang="en-US" smtClean="0"/>
               <a:pPr/>
-              <a:t>2014/12/23</a:t>
+              <a:t>2015/1/24</a:t>
             </a:fld>
             <a:endParaRPr lang="zh-CN" altLang="en-US"/>
           </a:p>
@@ -2695,7 +2696,7 @@
             <a:fld id="{530820CF-B880-4189-942D-D702A7CBA730}" type="datetimeFigureOut">
               <a:rPr lang="zh-CN" altLang="en-US" smtClean="0"/>
               <a:pPr/>
-              <a:t>2014/12/23</a:t>
+              <a:t>2015/1/24</a:t>
             </a:fld>
             <a:endParaRPr lang="zh-CN" altLang="en-US"/>
           </a:p>
@@ -4228,6 +4229,320 @@
           <a:p>
             <a:r>
               <a:rPr lang="en-US" dirty="0" smtClean="0"/>
+              <a:t>click</a:t>
+            </a:r>
+            <a:endParaRPr lang="en-US" dirty="0"/>
+          </a:p>
+        </p:txBody>
+      </p:sp>
+      <p:sp>
+        <p:nvSpPr>
+          <p:cNvPr id="4" name="Right Arrow 3"/>
+          <p:cNvSpPr/>
+          <p:nvPr/>
+        </p:nvSpPr>
+        <p:spPr>
+          <a:xfrm rot="14240714">
+            <a:off x="4311894" y="2735056"/>
+            <a:ext cx="1116464" cy="676890"/>
+          </a:xfrm>
+          <a:prstGeom prst="rightArrow">
+            <a:avLst>
+              <a:gd name="adj1" fmla="val 44200"/>
+              <a:gd name="adj2" fmla="val 103033"/>
+            </a:avLst>
+          </a:prstGeom>
+          <a:solidFill>
+            <a:schemeClr val="bg1"/>
+          </a:solidFill>
+          <a:ln w="127000">
+            <a:solidFill>
+              <a:srgbClr val="0070C0"/>
+            </a:solidFill>
+          </a:ln>
+        </p:spPr>
+        <p:style>
+          <a:lnRef idx="2">
+            <a:schemeClr val="accent1">
+              <a:shade val="50000"/>
+            </a:schemeClr>
+          </a:lnRef>
+          <a:fillRef idx="1">
+            <a:schemeClr val="accent1"/>
+          </a:fillRef>
+          <a:effectRef idx="0">
+            <a:schemeClr val="accent1"/>
+          </a:effectRef>
+          <a:fontRef idx="minor">
+            <a:schemeClr val="lt1"/>
+          </a:fontRef>
+        </p:style>
+        <p:txBody>
+          <a:bodyPr rtlCol="0" anchor="ctr"/>
+          <a:lstStyle/>
+          <a:p>
+            <a:pPr algn="ctr"/>
+            <a:endParaRPr lang="en-US"/>
+          </a:p>
+        </p:txBody>
+      </p:sp>
+      <p:cxnSp>
+        <p:nvCxnSpPr>
+          <p:cNvPr id="10" name="Straight Connector 9"/>
+          <p:cNvCxnSpPr/>
+          <p:nvPr/>
+        </p:nvCxnSpPr>
+        <p:spPr>
+          <a:xfrm>
+            <a:off x="4694545" y="2527945"/>
+            <a:ext cx="373954" cy="0"/>
+          </a:xfrm>
+          <a:prstGeom prst="line">
+            <a:avLst/>
+          </a:prstGeom>
+          <a:ln w="127000" cap="rnd">
+            <a:solidFill>
+              <a:srgbClr val="FFC000"/>
+            </a:solidFill>
+          </a:ln>
+        </p:spPr>
+        <p:style>
+          <a:lnRef idx="1">
+            <a:schemeClr val="accent1"/>
+          </a:lnRef>
+          <a:fillRef idx="0">
+            <a:schemeClr val="accent1"/>
+          </a:fillRef>
+          <a:effectRef idx="0">
+            <a:schemeClr val="accent1"/>
+          </a:effectRef>
+          <a:fontRef idx="minor">
+            <a:schemeClr val="tx1"/>
+          </a:fontRef>
+        </p:style>
+      </p:cxnSp>
+      <p:cxnSp>
+        <p:nvCxnSpPr>
+          <p:cNvPr id="19" name="Straight Connector 18"/>
+          <p:cNvCxnSpPr/>
+          <p:nvPr/>
+        </p:nvCxnSpPr>
+        <p:spPr>
+          <a:xfrm>
+            <a:off x="3994499" y="2542233"/>
+            <a:ext cx="373954" cy="0"/>
+          </a:xfrm>
+          <a:prstGeom prst="line">
+            <a:avLst/>
+          </a:prstGeom>
+          <a:ln w="127000" cap="rnd">
+            <a:solidFill>
+              <a:srgbClr val="FFC000"/>
+            </a:solidFill>
+          </a:ln>
+        </p:spPr>
+        <p:style>
+          <a:lnRef idx="1">
+            <a:schemeClr val="accent1"/>
+          </a:lnRef>
+          <a:fillRef idx="0">
+            <a:schemeClr val="accent1"/>
+          </a:fillRef>
+          <a:effectRef idx="0">
+            <a:schemeClr val="accent1"/>
+          </a:effectRef>
+          <a:fontRef idx="minor">
+            <a:schemeClr val="tx1"/>
+          </a:fontRef>
+        </p:style>
+      </p:cxnSp>
+      <p:cxnSp>
+        <p:nvCxnSpPr>
+          <p:cNvPr id="20" name="Straight Connector 19"/>
+          <p:cNvCxnSpPr/>
+          <p:nvPr/>
+        </p:nvCxnSpPr>
+        <p:spPr>
+          <a:xfrm rot="18900000">
+            <a:off x="4085188" y="2796726"/>
+            <a:ext cx="373954" cy="0"/>
+          </a:xfrm>
+          <a:prstGeom prst="line">
+            <a:avLst/>
+          </a:prstGeom>
+          <a:ln w="127000" cap="rnd">
+            <a:solidFill>
+              <a:srgbClr val="FFC000"/>
+            </a:solidFill>
+          </a:ln>
+        </p:spPr>
+        <p:style>
+          <a:lnRef idx="1">
+            <a:schemeClr val="accent1"/>
+          </a:lnRef>
+          <a:fillRef idx="0">
+            <a:schemeClr val="accent1"/>
+          </a:fillRef>
+          <a:effectRef idx="0">
+            <a:schemeClr val="accent1"/>
+          </a:effectRef>
+          <a:fontRef idx="minor">
+            <a:schemeClr val="tx1"/>
+          </a:fontRef>
+        </p:style>
+      </p:cxnSp>
+      <p:cxnSp>
+        <p:nvCxnSpPr>
+          <p:cNvPr id="21" name="Straight Connector 20"/>
+          <p:cNvCxnSpPr/>
+          <p:nvPr/>
+        </p:nvCxnSpPr>
+        <p:spPr>
+          <a:xfrm rot="18900000">
+            <a:off x="4589244" y="2288675"/>
+            <a:ext cx="373954" cy="0"/>
+          </a:xfrm>
+          <a:prstGeom prst="line">
+            <a:avLst/>
+          </a:prstGeom>
+          <a:ln w="127000" cap="rnd">
+            <a:solidFill>
+              <a:srgbClr val="FFC000"/>
+            </a:solidFill>
+          </a:ln>
+        </p:spPr>
+        <p:style>
+          <a:lnRef idx="1">
+            <a:schemeClr val="accent1"/>
+          </a:lnRef>
+          <a:fillRef idx="0">
+            <a:schemeClr val="accent1"/>
+          </a:fillRef>
+          <a:effectRef idx="0">
+            <a:schemeClr val="accent1"/>
+          </a:effectRef>
+          <a:fontRef idx="minor">
+            <a:schemeClr val="tx1"/>
+          </a:fontRef>
+        </p:style>
+      </p:cxnSp>
+      <p:cxnSp>
+        <p:nvCxnSpPr>
+          <p:cNvPr id="22" name="Straight Connector 21"/>
+          <p:cNvCxnSpPr/>
+          <p:nvPr/>
+        </p:nvCxnSpPr>
+        <p:spPr>
+          <a:xfrm rot="16200000">
+            <a:off x="4347238" y="2175817"/>
+            <a:ext cx="373954" cy="0"/>
+          </a:xfrm>
+          <a:prstGeom prst="line">
+            <a:avLst/>
+          </a:prstGeom>
+          <a:ln w="127000" cap="rnd">
+            <a:solidFill>
+              <a:srgbClr val="FFC000"/>
+            </a:solidFill>
+          </a:ln>
+        </p:spPr>
+        <p:style>
+          <a:lnRef idx="1">
+            <a:schemeClr val="accent1"/>
+          </a:lnRef>
+          <a:fillRef idx="0">
+            <a:schemeClr val="accent1"/>
+          </a:fillRef>
+          <a:effectRef idx="0">
+            <a:schemeClr val="accent1"/>
+          </a:effectRef>
+          <a:fontRef idx="minor">
+            <a:schemeClr val="tx1"/>
+          </a:fontRef>
+        </p:style>
+      </p:cxnSp>
+      <p:cxnSp>
+        <p:nvCxnSpPr>
+          <p:cNvPr id="23" name="Straight Connector 22"/>
+          <p:cNvCxnSpPr/>
+          <p:nvPr/>
+        </p:nvCxnSpPr>
+        <p:spPr>
+          <a:xfrm rot="13500000">
+            <a:off x="4085188" y="2288675"/>
+            <a:ext cx="373954" cy="0"/>
+          </a:xfrm>
+          <a:prstGeom prst="line">
+            <a:avLst/>
+          </a:prstGeom>
+          <a:ln w="127000" cap="rnd">
+            <a:solidFill>
+              <a:srgbClr val="FFC000"/>
+            </a:solidFill>
+          </a:ln>
+        </p:spPr>
+        <p:style>
+          <a:lnRef idx="1">
+            <a:schemeClr val="accent1"/>
+          </a:lnRef>
+          <a:fillRef idx="0">
+            <a:schemeClr val="accent1"/>
+          </a:fillRef>
+          <a:effectRef idx="0">
+            <a:schemeClr val="accent1"/>
+          </a:effectRef>
+          <a:fontRef idx="minor">
+            <a:schemeClr val="tx1"/>
+          </a:fontRef>
+        </p:style>
+      </p:cxnSp>
+    </p:spTree>
+    <p:extLst>
+      <p:ext uri="{BB962C8B-B14F-4D97-AF65-F5344CB8AC3E}">
+        <p14:creationId xmlns:p14="http://schemas.microsoft.com/office/powerpoint/2010/main" val="2381854577"/>
+      </p:ext>
+    </p:extLst>
+  </p:cSld>
+  <p:clrMapOvr>
+    <a:masterClrMapping/>
+  </p:clrMapOvr>
+</p:sld>
+</file>
+
+<file path=ppt/slides/slide7.xml><?xml version="1.0" encoding="utf-8"?>
+<p:sld xmlns:a="http://schemas.openxmlformats.org/drawingml/2006/main" xmlns:r="http://schemas.openxmlformats.org/officeDocument/2006/relationships" xmlns:p="http://schemas.openxmlformats.org/presentationml/2006/main">
+  <p:cSld>
+    <p:spTree>
+      <p:nvGrpSpPr>
+        <p:cNvPr id="1" name=""/>
+        <p:cNvGrpSpPr/>
+        <p:nvPr/>
+      </p:nvGrpSpPr>
+      <p:grpSpPr>
+        <a:xfrm>
+          <a:off x="0" y="0"/>
+          <a:ext cx="0" cy="0"/>
+          <a:chOff x="0" y="0"/>
+          <a:chExt cx="0" cy="0"/>
+        </a:xfrm>
+      </p:grpSpPr>
+      <p:sp>
+        <p:nvSpPr>
+          <p:cNvPr id="2" name="Title 1"/>
+          <p:cNvSpPr>
+            <a:spLocks noGrp="1"/>
+          </p:cNvSpPr>
+          <p:nvPr>
+            <p:ph type="title"/>
+          </p:nvPr>
+        </p:nvSpPr>
+        <p:spPr/>
+        <p:txBody>
+          <a:bodyPr/>
+          <a:lstStyle/>
+          <a:p>
+            <a:r>
+              <a:rPr lang="en-US" dirty="0" smtClean="0"/>
               <a:t>Exclamation point</a:t>
             </a:r>
             <a:endParaRPr lang="en-US" dirty="0"/>
@@ -4369,7 +4684,7 @@
 </p:sld>
 </file>
 
-<file path=ppt/slides/slide7.xml><?xml version="1.0" encoding="utf-8"?>
+<file path=ppt/slides/slide8.xml><?xml version="1.0" encoding="utf-8"?>
 <p:sld xmlns:a="http://schemas.openxmlformats.org/drawingml/2006/main" xmlns:r="http://schemas.openxmlformats.org/officeDocument/2006/relationships" xmlns:p="http://schemas.openxmlformats.org/presentationml/2006/main">
   <p:cSld>
     <p:spTree>
@@ -5346,7 +5661,7 @@
 </p:sld>
 </file>
 
-<file path=ppt/slides/slide8.xml><?xml version="1.0" encoding="utf-8"?>
+<file path=ppt/slides/slide9.xml><?xml version="1.0" encoding="utf-8"?>
 <p:sld xmlns:a="http://schemas.openxmlformats.org/drawingml/2006/main" xmlns:r="http://schemas.openxmlformats.org/officeDocument/2006/relationships" xmlns:p="http://schemas.openxmlformats.org/presentationml/2006/main">
   <p:cSld>
     <p:spTree>

--- a/bioinf_project/static/images/pics.pptx
+++ b/bioinf_project/static/images/pics.pptx
@@ -14,6 +14,7 @@
     <p:sldId id="262" r:id="rId8"/>
     <p:sldId id="263" r:id="rId9"/>
     <p:sldId id="264" r:id="rId10"/>
+    <p:sldId id="266" r:id="rId11"/>
   </p:sldIdLst>
   <p:sldSz cx="9144000" cy="6858000" type="screen4x3"/>
   <p:notesSz cx="6858000" cy="9144000"/>
@@ -297,7 +298,7 @@
             <a:fld id="{530820CF-B880-4189-942D-D702A7CBA730}" type="datetimeFigureOut">
               <a:rPr lang="zh-CN" altLang="en-US" smtClean="0"/>
               <a:pPr/>
-              <a:t>2015/1/24</a:t>
+              <a:t>2015/2/12</a:t>
             </a:fld>
             <a:endParaRPr lang="zh-CN" altLang="en-US"/>
           </a:p>
@@ -464,7 +465,7 @@
             <a:fld id="{530820CF-B880-4189-942D-D702A7CBA730}" type="datetimeFigureOut">
               <a:rPr lang="zh-CN" altLang="en-US" smtClean="0"/>
               <a:pPr/>
-              <a:t>2015/1/24</a:t>
+              <a:t>2015/2/12</a:t>
             </a:fld>
             <a:endParaRPr lang="zh-CN" altLang="en-US"/>
           </a:p>
@@ -641,7 +642,7 @@
             <a:fld id="{530820CF-B880-4189-942D-D702A7CBA730}" type="datetimeFigureOut">
               <a:rPr lang="zh-CN" altLang="en-US" smtClean="0"/>
               <a:pPr/>
-              <a:t>2015/1/24</a:t>
+              <a:t>2015/2/12</a:t>
             </a:fld>
             <a:endParaRPr lang="zh-CN" altLang="en-US"/>
           </a:p>
@@ -808,7 +809,7 @@
             <a:fld id="{530820CF-B880-4189-942D-D702A7CBA730}" type="datetimeFigureOut">
               <a:rPr lang="zh-CN" altLang="en-US" smtClean="0"/>
               <a:pPr/>
-              <a:t>2015/1/24</a:t>
+              <a:t>2015/2/12</a:t>
             </a:fld>
             <a:endParaRPr lang="zh-CN" altLang="en-US"/>
           </a:p>
@@ -1051,7 +1052,7 @@
             <a:fld id="{530820CF-B880-4189-942D-D702A7CBA730}" type="datetimeFigureOut">
               <a:rPr lang="zh-CN" altLang="en-US" smtClean="0"/>
               <a:pPr/>
-              <a:t>2015/1/24</a:t>
+              <a:t>2015/2/12</a:t>
             </a:fld>
             <a:endParaRPr lang="zh-CN" altLang="en-US"/>
           </a:p>
@@ -1336,7 +1337,7 @@
             <a:fld id="{530820CF-B880-4189-942D-D702A7CBA730}" type="datetimeFigureOut">
               <a:rPr lang="zh-CN" altLang="en-US" smtClean="0"/>
               <a:pPr/>
-              <a:t>2015/1/24</a:t>
+              <a:t>2015/2/12</a:t>
             </a:fld>
             <a:endParaRPr lang="zh-CN" altLang="en-US"/>
           </a:p>
@@ -1755,7 +1756,7 @@
             <a:fld id="{530820CF-B880-4189-942D-D702A7CBA730}" type="datetimeFigureOut">
               <a:rPr lang="zh-CN" altLang="en-US" smtClean="0"/>
               <a:pPr/>
-              <a:t>2015/1/24</a:t>
+              <a:t>2015/2/12</a:t>
             </a:fld>
             <a:endParaRPr lang="zh-CN" altLang="en-US"/>
           </a:p>
@@ -1870,7 +1871,7 @@
             <a:fld id="{530820CF-B880-4189-942D-D702A7CBA730}" type="datetimeFigureOut">
               <a:rPr lang="zh-CN" altLang="en-US" smtClean="0"/>
               <a:pPr/>
-              <a:t>2015/1/24</a:t>
+              <a:t>2015/2/12</a:t>
             </a:fld>
             <a:endParaRPr lang="zh-CN" altLang="en-US"/>
           </a:p>
@@ -1962,7 +1963,7 @@
             <a:fld id="{530820CF-B880-4189-942D-D702A7CBA730}" type="datetimeFigureOut">
               <a:rPr lang="zh-CN" altLang="en-US" smtClean="0"/>
               <a:pPr/>
-              <a:t>2015/1/24</a:t>
+              <a:t>2015/2/12</a:t>
             </a:fld>
             <a:endParaRPr lang="zh-CN" altLang="en-US"/>
           </a:p>
@@ -2236,7 +2237,7 @@
             <a:fld id="{530820CF-B880-4189-942D-D702A7CBA730}" type="datetimeFigureOut">
               <a:rPr lang="zh-CN" altLang="en-US" smtClean="0"/>
               <a:pPr/>
-              <a:t>2015/1/24</a:t>
+              <a:t>2015/2/12</a:t>
             </a:fld>
             <a:endParaRPr lang="zh-CN" altLang="en-US"/>
           </a:p>
@@ -2486,7 +2487,7 @@
             <a:fld id="{530820CF-B880-4189-942D-D702A7CBA730}" type="datetimeFigureOut">
               <a:rPr lang="zh-CN" altLang="en-US" smtClean="0"/>
               <a:pPr/>
-              <a:t>2015/1/24</a:t>
+              <a:t>2015/2/12</a:t>
             </a:fld>
             <a:endParaRPr lang="zh-CN" altLang="en-US"/>
           </a:p>
@@ -2696,7 +2697,7 @@
             <a:fld id="{530820CF-B880-4189-942D-D702A7CBA730}" type="datetimeFigureOut">
               <a:rPr lang="zh-CN" altLang="en-US" smtClean="0"/>
               <a:pPr/>
-              <a:t>2015/1/24</a:t>
+              <a:t>2015/2/12</a:t>
             </a:fld>
             <a:endParaRPr lang="zh-CN" altLang="en-US"/>
           </a:p>
@@ -3179,6 +3180,74 @@
         </p:txBody>
       </p:sp>
     </p:spTree>
+  </p:cSld>
+  <p:clrMapOvr>
+    <a:masterClrMapping/>
+  </p:clrMapOvr>
+</p:sld>
+</file>
+
+<file path=ppt/slides/slide10.xml><?xml version="1.0" encoding="utf-8"?>
+<p:sld xmlns:a="http://schemas.openxmlformats.org/drawingml/2006/main" xmlns:r="http://schemas.openxmlformats.org/officeDocument/2006/relationships" xmlns:p="http://schemas.openxmlformats.org/presentationml/2006/main">
+  <p:cSld>
+    <p:spTree>
+      <p:nvGrpSpPr>
+        <p:cNvPr id="1" name=""/>
+        <p:cNvGrpSpPr/>
+        <p:nvPr/>
+      </p:nvGrpSpPr>
+      <p:grpSpPr>
+        <a:xfrm>
+          <a:off x="0" y="0"/>
+          <a:ext cx="0" cy="0"/>
+          <a:chOff x="0" y="0"/>
+          <a:chExt cx="0" cy="0"/>
+        </a:xfrm>
+      </p:grpSpPr>
+      <p:sp>
+        <p:nvSpPr>
+          <p:cNvPr id="2" name="Title 1"/>
+          <p:cNvSpPr>
+            <a:spLocks noGrp="1"/>
+          </p:cNvSpPr>
+          <p:nvPr>
+            <p:ph type="title"/>
+          </p:nvPr>
+        </p:nvSpPr>
+        <p:spPr/>
+        <p:txBody>
+          <a:bodyPr/>
+          <a:lstStyle/>
+          <a:p>
+            <a:endParaRPr lang="en-US"/>
+          </a:p>
+        </p:txBody>
+      </p:sp>
+      <p:sp>
+        <p:nvSpPr>
+          <p:cNvPr id="3" name="Content Placeholder 2"/>
+          <p:cNvSpPr>
+            <a:spLocks noGrp="1"/>
+          </p:cNvSpPr>
+          <p:nvPr>
+            <p:ph idx="1"/>
+          </p:nvPr>
+        </p:nvSpPr>
+        <p:spPr/>
+        <p:txBody>
+          <a:bodyPr/>
+          <a:lstStyle/>
+          <a:p>
+            <a:endParaRPr lang="en-US"/>
+          </a:p>
+        </p:txBody>
+      </p:sp>
+    </p:spTree>
+    <p:extLst>
+      <p:ext uri="{BB962C8B-B14F-4D97-AF65-F5344CB8AC3E}">
+        <p14:creationId xmlns:p14="http://schemas.microsoft.com/office/powerpoint/2010/main" val="16123775"/>
+      </p:ext>
+    </p:extLst>
   </p:cSld>
   <p:clrMapOvr>
     <a:masterClrMapping/>
@@ -5709,7 +5778,7 @@
         </p:nvSpPr>
         <p:spPr>
           <a:xfrm>
-            <a:off x="2112690" y="3377183"/>
+            <a:off x="4405793" y="2904753"/>
             <a:ext cx="581583" cy="472430"/>
           </a:xfrm>
           <a:prstGeom prst="wedgeRoundRectCallout">

--- a/bioinf_project/static/images/pics.pptx
+++ b/bioinf_project/static/images/pics.pptx
@@ -298,7 +298,7 @@
             <a:fld id="{530820CF-B880-4189-942D-D702A7CBA730}" type="datetimeFigureOut">
               <a:rPr lang="zh-CN" altLang="en-US" smtClean="0"/>
               <a:pPr/>
-              <a:t>2015/2/12</a:t>
+              <a:t>2015/4/3</a:t>
             </a:fld>
             <a:endParaRPr lang="zh-CN" altLang="en-US"/>
           </a:p>
@@ -465,7 +465,7 @@
             <a:fld id="{530820CF-B880-4189-942D-D702A7CBA730}" type="datetimeFigureOut">
               <a:rPr lang="zh-CN" altLang="en-US" smtClean="0"/>
               <a:pPr/>
-              <a:t>2015/2/12</a:t>
+              <a:t>2015/4/3</a:t>
             </a:fld>
             <a:endParaRPr lang="zh-CN" altLang="en-US"/>
           </a:p>
@@ -642,7 +642,7 @@
             <a:fld id="{530820CF-B880-4189-942D-D702A7CBA730}" type="datetimeFigureOut">
               <a:rPr lang="zh-CN" altLang="en-US" smtClean="0"/>
               <a:pPr/>
-              <a:t>2015/2/12</a:t>
+              <a:t>2015/4/3</a:t>
             </a:fld>
             <a:endParaRPr lang="zh-CN" altLang="en-US"/>
           </a:p>
@@ -809,7 +809,7 @@
             <a:fld id="{530820CF-B880-4189-942D-D702A7CBA730}" type="datetimeFigureOut">
               <a:rPr lang="zh-CN" altLang="en-US" smtClean="0"/>
               <a:pPr/>
-              <a:t>2015/2/12</a:t>
+              <a:t>2015/4/3</a:t>
             </a:fld>
             <a:endParaRPr lang="zh-CN" altLang="en-US"/>
           </a:p>
@@ -1052,7 +1052,7 @@
             <a:fld id="{530820CF-B880-4189-942D-D702A7CBA730}" type="datetimeFigureOut">
               <a:rPr lang="zh-CN" altLang="en-US" smtClean="0"/>
               <a:pPr/>
-              <a:t>2015/2/12</a:t>
+              <a:t>2015/4/3</a:t>
             </a:fld>
             <a:endParaRPr lang="zh-CN" altLang="en-US"/>
           </a:p>
@@ -1337,7 +1337,7 @@
             <a:fld id="{530820CF-B880-4189-942D-D702A7CBA730}" type="datetimeFigureOut">
               <a:rPr lang="zh-CN" altLang="en-US" smtClean="0"/>
               <a:pPr/>
-              <a:t>2015/2/12</a:t>
+              <a:t>2015/4/3</a:t>
             </a:fld>
             <a:endParaRPr lang="zh-CN" altLang="en-US"/>
           </a:p>
@@ -1756,7 +1756,7 @@
             <a:fld id="{530820CF-B880-4189-942D-D702A7CBA730}" type="datetimeFigureOut">
               <a:rPr lang="zh-CN" altLang="en-US" smtClean="0"/>
               <a:pPr/>
-              <a:t>2015/2/12</a:t>
+              <a:t>2015/4/3</a:t>
             </a:fld>
             <a:endParaRPr lang="zh-CN" altLang="en-US"/>
           </a:p>
@@ -1871,7 +1871,7 @@
             <a:fld id="{530820CF-B880-4189-942D-D702A7CBA730}" type="datetimeFigureOut">
               <a:rPr lang="zh-CN" altLang="en-US" smtClean="0"/>
               <a:pPr/>
-              <a:t>2015/2/12</a:t>
+              <a:t>2015/4/3</a:t>
             </a:fld>
             <a:endParaRPr lang="zh-CN" altLang="en-US"/>
           </a:p>
@@ -1963,7 +1963,7 @@
             <a:fld id="{530820CF-B880-4189-942D-D702A7CBA730}" type="datetimeFigureOut">
               <a:rPr lang="zh-CN" altLang="en-US" smtClean="0"/>
               <a:pPr/>
-              <a:t>2015/2/12</a:t>
+              <a:t>2015/4/3</a:t>
             </a:fld>
             <a:endParaRPr lang="zh-CN" altLang="en-US"/>
           </a:p>
@@ -2237,7 +2237,7 @@
             <a:fld id="{530820CF-B880-4189-942D-D702A7CBA730}" type="datetimeFigureOut">
               <a:rPr lang="zh-CN" altLang="en-US" smtClean="0"/>
               <a:pPr/>
-              <a:t>2015/2/12</a:t>
+              <a:t>2015/4/3</a:t>
             </a:fld>
             <a:endParaRPr lang="zh-CN" altLang="en-US"/>
           </a:p>
@@ -2487,7 +2487,7 @@
             <a:fld id="{530820CF-B880-4189-942D-D702A7CBA730}" type="datetimeFigureOut">
               <a:rPr lang="zh-CN" altLang="en-US" smtClean="0"/>
               <a:pPr/>
-              <a:t>2015/2/12</a:t>
+              <a:t>2015/4/3</a:t>
             </a:fld>
             <a:endParaRPr lang="zh-CN" altLang="en-US"/>
           </a:p>
@@ -2697,7 +2697,7 @@
             <a:fld id="{530820CF-B880-4189-942D-D702A7CBA730}" type="datetimeFigureOut">
               <a:rPr lang="zh-CN" altLang="en-US" smtClean="0"/>
               <a:pPr/>
-              <a:t>2015/2/12</a:t>
+              <a:t>2015/4/3</a:t>
             </a:fld>
             <a:endParaRPr lang="zh-CN" altLang="en-US"/>
           </a:p>
@@ -3219,29 +3219,325 @@
           <a:bodyPr/>
           <a:lstStyle/>
           <a:p>
-            <a:endParaRPr lang="en-US"/>
-          </a:p>
-        </p:txBody>
-      </p:sp>
-      <p:sp>
-        <p:nvSpPr>
-          <p:cNvPr id="3" name="Content Placeholder 2"/>
-          <p:cNvSpPr>
-            <a:spLocks noGrp="1"/>
-          </p:cNvSpPr>
-          <p:nvPr>
-            <p:ph idx="1"/>
-          </p:nvPr>
-        </p:nvSpPr>
-        <p:spPr/>
-        <p:txBody>
-          <a:bodyPr/>
-          <a:lstStyle/>
-          <a:p>
-            <a:endParaRPr lang="en-US"/>
-          </a:p>
-        </p:txBody>
-      </p:sp>
+            <a:r>
+              <a:rPr lang="en-US" dirty="0" smtClean="0"/>
+              <a:t>Enrichment testing</a:t>
+            </a:r>
+            <a:endParaRPr lang="en-US" dirty="0"/>
+          </a:p>
+        </p:txBody>
+      </p:sp>
+      <p:grpSp>
+        <p:nvGrpSpPr>
+          <p:cNvPr id="25" name="Group 24"/>
+          <p:cNvGrpSpPr/>
+          <p:nvPr/>
+        </p:nvGrpSpPr>
+        <p:grpSpPr>
+          <a:xfrm>
+            <a:off x="3505304" y="2996952"/>
+            <a:ext cx="1187600" cy="1179415"/>
+            <a:chOff x="3505304" y="2996952"/>
+            <a:chExt cx="1187600" cy="1179415"/>
+          </a:xfrm>
+        </p:grpSpPr>
+        <p:sp>
+          <p:nvSpPr>
+            <p:cNvPr id="4" name="Oval 3"/>
+            <p:cNvSpPr/>
+            <p:nvPr/>
+          </p:nvSpPr>
+          <p:spPr>
+            <a:xfrm>
+              <a:off x="3563888" y="2996952"/>
+              <a:ext cx="251366" cy="251366"/>
+            </a:xfrm>
+            <a:prstGeom prst="ellipse">
+              <a:avLst/>
+            </a:prstGeom>
+          </p:spPr>
+          <p:style>
+            <a:lnRef idx="2">
+              <a:schemeClr val="accent2">
+                <a:shade val="50000"/>
+              </a:schemeClr>
+            </a:lnRef>
+            <a:fillRef idx="1">
+              <a:schemeClr val="accent2"/>
+            </a:fillRef>
+            <a:effectRef idx="0">
+              <a:schemeClr val="accent2"/>
+            </a:effectRef>
+            <a:fontRef idx="minor">
+              <a:schemeClr val="lt1"/>
+            </a:fontRef>
+          </p:style>
+          <p:txBody>
+            <a:bodyPr rtlCol="0" anchor="ctr"/>
+            <a:lstStyle/>
+            <a:p>
+              <a:pPr algn="ctr"/>
+              <a:endParaRPr lang="en-US"/>
+            </a:p>
+          </p:txBody>
+        </p:sp>
+        <p:sp>
+          <p:nvSpPr>
+            <p:cNvPr id="5" name="Oval 4"/>
+            <p:cNvSpPr/>
+            <p:nvPr/>
+          </p:nvSpPr>
+          <p:spPr>
+            <a:xfrm>
+              <a:off x="4343855" y="3873616"/>
+              <a:ext cx="302751" cy="302751"/>
+            </a:xfrm>
+            <a:prstGeom prst="ellipse">
+              <a:avLst/>
+            </a:prstGeom>
+          </p:spPr>
+          <p:style>
+            <a:lnRef idx="2">
+              <a:schemeClr val="accent2">
+                <a:shade val="50000"/>
+              </a:schemeClr>
+            </a:lnRef>
+            <a:fillRef idx="1">
+              <a:schemeClr val="accent2"/>
+            </a:fillRef>
+            <a:effectRef idx="0">
+              <a:schemeClr val="accent2"/>
+            </a:effectRef>
+            <a:fontRef idx="minor">
+              <a:schemeClr val="lt1"/>
+            </a:fontRef>
+          </p:style>
+          <p:txBody>
+            <a:bodyPr rtlCol="0" anchor="ctr"/>
+            <a:lstStyle/>
+            <a:p>
+              <a:pPr algn="ctr"/>
+              <a:endParaRPr lang="en-US"/>
+            </a:p>
+          </p:txBody>
+        </p:sp>
+        <p:sp>
+          <p:nvSpPr>
+            <p:cNvPr id="6" name="Oval 5"/>
+            <p:cNvSpPr/>
+            <p:nvPr/>
+          </p:nvSpPr>
+          <p:spPr>
+            <a:xfrm>
+              <a:off x="3505304" y="3739413"/>
+              <a:ext cx="346615" cy="346615"/>
+            </a:xfrm>
+            <a:prstGeom prst="ellipse">
+              <a:avLst/>
+            </a:prstGeom>
+          </p:spPr>
+          <p:style>
+            <a:lnRef idx="2">
+              <a:schemeClr val="accent2">
+                <a:shade val="50000"/>
+              </a:schemeClr>
+            </a:lnRef>
+            <a:fillRef idx="1">
+              <a:schemeClr val="accent2"/>
+            </a:fillRef>
+            <a:effectRef idx="0">
+              <a:schemeClr val="accent2"/>
+            </a:effectRef>
+            <a:fontRef idx="minor">
+              <a:schemeClr val="lt1"/>
+            </a:fontRef>
+          </p:style>
+          <p:txBody>
+            <a:bodyPr rtlCol="0" anchor="ctr"/>
+            <a:lstStyle/>
+            <a:p>
+              <a:pPr algn="ctr"/>
+              <a:endParaRPr lang="en-US"/>
+            </a:p>
+          </p:txBody>
+        </p:sp>
+        <p:sp>
+          <p:nvSpPr>
+            <p:cNvPr id="7" name="Oval 6"/>
+            <p:cNvSpPr/>
+            <p:nvPr/>
+          </p:nvSpPr>
+          <p:spPr>
+            <a:xfrm>
+              <a:off x="4283968" y="3026688"/>
+              <a:ext cx="408936" cy="408936"/>
+            </a:xfrm>
+            <a:prstGeom prst="ellipse">
+              <a:avLst/>
+            </a:prstGeom>
+          </p:spPr>
+          <p:style>
+            <a:lnRef idx="2">
+              <a:schemeClr val="accent2">
+                <a:shade val="50000"/>
+              </a:schemeClr>
+            </a:lnRef>
+            <a:fillRef idx="1">
+              <a:schemeClr val="accent2"/>
+            </a:fillRef>
+            <a:effectRef idx="0">
+              <a:schemeClr val="accent2"/>
+            </a:effectRef>
+            <a:fontRef idx="minor">
+              <a:schemeClr val="lt1"/>
+            </a:fontRef>
+          </p:style>
+          <p:txBody>
+            <a:bodyPr rtlCol="0" anchor="ctr"/>
+            <a:lstStyle/>
+            <a:p>
+              <a:pPr algn="ctr"/>
+              <a:endParaRPr lang="en-US"/>
+            </a:p>
+          </p:txBody>
+        </p:sp>
+        <p:cxnSp>
+          <p:nvCxnSpPr>
+            <p:cNvPr id="9" name="Straight Connector 8"/>
+            <p:cNvCxnSpPr>
+              <a:stCxn id="7" idx="4"/>
+              <a:endCxn id="5" idx="0"/>
+            </p:cNvCxnSpPr>
+            <p:nvPr/>
+          </p:nvCxnSpPr>
+          <p:spPr>
+            <a:xfrm>
+              <a:off x="4488436" y="3435624"/>
+              <a:ext cx="6795" cy="437992"/>
+            </a:xfrm>
+            <a:prstGeom prst="line">
+              <a:avLst/>
+            </a:prstGeom>
+            <a:ln w="38100"/>
+          </p:spPr>
+          <p:style>
+            <a:lnRef idx="1">
+              <a:schemeClr val="accent1"/>
+            </a:lnRef>
+            <a:fillRef idx="0">
+              <a:schemeClr val="accent1"/>
+            </a:fillRef>
+            <a:effectRef idx="0">
+              <a:schemeClr val="accent1"/>
+            </a:effectRef>
+            <a:fontRef idx="minor">
+              <a:schemeClr val="tx1"/>
+            </a:fontRef>
+          </p:style>
+        </p:cxnSp>
+        <p:cxnSp>
+          <p:nvCxnSpPr>
+            <p:cNvPr id="11" name="Straight Connector 10"/>
+            <p:cNvCxnSpPr>
+              <a:stCxn id="5" idx="2"/>
+              <a:endCxn id="6" idx="6"/>
+            </p:cNvCxnSpPr>
+            <p:nvPr/>
+          </p:nvCxnSpPr>
+          <p:spPr>
+            <a:xfrm flipH="1" flipV="1">
+              <a:off x="3851919" y="3912721"/>
+              <a:ext cx="491936" cy="112271"/>
+            </a:xfrm>
+            <a:prstGeom prst="line">
+              <a:avLst/>
+            </a:prstGeom>
+            <a:ln w="38100"/>
+          </p:spPr>
+          <p:style>
+            <a:lnRef idx="1">
+              <a:schemeClr val="accent1"/>
+            </a:lnRef>
+            <a:fillRef idx="0">
+              <a:schemeClr val="accent1"/>
+            </a:fillRef>
+            <a:effectRef idx="0">
+              <a:schemeClr val="accent1"/>
+            </a:effectRef>
+            <a:fontRef idx="minor">
+              <a:schemeClr val="tx1"/>
+            </a:fontRef>
+          </p:style>
+        </p:cxnSp>
+        <p:cxnSp>
+          <p:nvCxnSpPr>
+            <p:cNvPr id="17" name="Straight Connector 16"/>
+            <p:cNvCxnSpPr>
+              <a:stCxn id="4" idx="5"/>
+              <a:endCxn id="5" idx="1"/>
+            </p:cNvCxnSpPr>
+            <p:nvPr/>
+          </p:nvCxnSpPr>
+          <p:spPr>
+            <a:xfrm>
+              <a:off x="3778442" y="3211506"/>
+              <a:ext cx="609750" cy="706447"/>
+            </a:xfrm>
+            <a:prstGeom prst="line">
+              <a:avLst/>
+            </a:prstGeom>
+            <a:ln w="38100"/>
+          </p:spPr>
+          <p:style>
+            <a:lnRef idx="1">
+              <a:schemeClr val="accent1"/>
+            </a:lnRef>
+            <a:fillRef idx="0">
+              <a:schemeClr val="accent1"/>
+            </a:fillRef>
+            <a:effectRef idx="0">
+              <a:schemeClr val="accent1"/>
+            </a:effectRef>
+            <a:fontRef idx="minor">
+              <a:schemeClr val="tx1"/>
+            </a:fontRef>
+          </p:style>
+        </p:cxnSp>
+        <p:cxnSp>
+          <p:nvCxnSpPr>
+            <p:cNvPr id="22" name="Straight Connector 21"/>
+            <p:cNvCxnSpPr>
+              <a:stCxn id="4" idx="6"/>
+              <a:endCxn id="7" idx="2"/>
+            </p:cNvCxnSpPr>
+            <p:nvPr/>
+          </p:nvCxnSpPr>
+          <p:spPr>
+            <a:xfrm>
+              <a:off x="3815254" y="3122635"/>
+              <a:ext cx="468714" cy="108521"/>
+            </a:xfrm>
+            <a:prstGeom prst="line">
+              <a:avLst/>
+            </a:prstGeom>
+            <a:ln w="38100"/>
+          </p:spPr>
+          <p:style>
+            <a:lnRef idx="1">
+              <a:schemeClr val="accent1"/>
+            </a:lnRef>
+            <a:fillRef idx="0">
+              <a:schemeClr val="accent1"/>
+            </a:fillRef>
+            <a:effectRef idx="0">
+              <a:schemeClr val="accent1"/>
+            </a:effectRef>
+            <a:fontRef idx="minor">
+              <a:schemeClr val="tx1"/>
+            </a:fontRef>
+          </p:style>
+        </p:cxnSp>
+      </p:grpSp>
     </p:spTree>
     <p:extLst>
       <p:ext uri="{BB962C8B-B14F-4D97-AF65-F5344CB8AC3E}">
